--- a/ex2/NMEA Viewing Tools.pptx
+++ b/ex2/NMEA Viewing Tools.pptx
@@ -4,11 +4,16 @@
   <p:sldMasterIdLst>
     <p:sldMasterId id="2147483648" r:id="rId1"/>
   </p:sldMasterIdLst>
+  <p:notesMasterIdLst>
+    <p:notesMasterId r:id="rId8"/>
+  </p:notesMasterIdLst>
   <p:sldIdLst>
     <p:sldId id="256" r:id="rId2"/>
-    <p:sldId id="257" r:id="rId3"/>
-    <p:sldId id="258" r:id="rId4"/>
-    <p:sldId id="259" r:id="rId5"/>
+    <p:sldId id="259" r:id="rId3"/>
+    <p:sldId id="261" r:id="rId4"/>
+    <p:sldId id="260" r:id="rId5"/>
+    <p:sldId id="257" r:id="rId6"/>
+    <p:sldId id="258" r:id="rId7"/>
   </p:sldIdLst>
   <p:sldSz cx="12192000" cy="6858000"/>
   <p:notesSz cx="6858000" cy="9144000"/>
@@ -109,10 +114,360 @@
   </p:defaultTextStyle>
   <p:extLst>
     <p:ext uri="{EFAFB233-063F-42B5-8137-9DF3F51BA10A}">
-      <p15:sldGuideLst xmlns:p15="http://schemas.microsoft.com/office/powerpoint/2012/main"/>
+      <p15:sldGuideLst xmlns="" xmlns:p15="http://schemas.microsoft.com/office/powerpoint/2012/main"/>
     </p:ext>
   </p:extLst>
 </p:presentation>
+</file>
+
+<file path=ppt/notesMasters/notesMaster1.xml><?xml version="1.0" encoding="utf-8"?>
+<p:notesMaster xmlns:a="http://schemas.openxmlformats.org/drawingml/2006/main" xmlns:r="http://schemas.openxmlformats.org/officeDocument/2006/relationships" xmlns:p="http://schemas.openxmlformats.org/presentationml/2006/main">
+  <p:cSld>
+    <p:bg>
+      <p:bgRef idx="1001">
+        <a:schemeClr val="bg1"/>
+      </p:bgRef>
+    </p:bg>
+    <p:spTree>
+      <p:nvGrpSpPr>
+        <p:cNvPr id="1" name=""/>
+        <p:cNvGrpSpPr/>
+        <p:nvPr/>
+      </p:nvGrpSpPr>
+      <p:grpSpPr>
+        <a:xfrm>
+          <a:off x="0" y="0"/>
+          <a:ext cx="0" cy="0"/>
+          <a:chOff x="0" y="0"/>
+          <a:chExt cx="0" cy="0"/>
+        </a:xfrm>
+      </p:grpSpPr>
+      <p:sp>
+        <p:nvSpPr>
+          <p:cNvPr id="2" name="מציין מיקום של כותרת עליונה 1"/>
+          <p:cNvSpPr>
+            <a:spLocks noGrp="1"/>
+          </p:cNvSpPr>
+          <p:nvPr>
+            <p:ph type="hdr" sz="quarter"/>
+          </p:nvPr>
+        </p:nvSpPr>
+        <p:spPr>
+          <a:xfrm>
+            <a:off x="0" y="0"/>
+            <a:ext cx="2971800" cy="457200"/>
+          </a:xfrm>
+          <a:prstGeom prst="rect">
+            <a:avLst/>
+          </a:prstGeom>
+        </p:spPr>
+        <p:txBody>
+          <a:bodyPr vert="horz" lIns="91440" tIns="45720" rIns="91440" bIns="45720" rtlCol="0"/>
+          <a:lstStyle>
+            <a:lvl1pPr algn="l">
+              <a:defRPr sz="1200"/>
+            </a:lvl1pPr>
+          </a:lstStyle>
+          <a:p>
+            <a:endParaRPr lang="en-US"/>
+          </a:p>
+        </p:txBody>
+      </p:sp>
+      <p:sp>
+        <p:nvSpPr>
+          <p:cNvPr id="3" name="מציין מיקום של תאריך 2"/>
+          <p:cNvSpPr>
+            <a:spLocks noGrp="1"/>
+          </p:cNvSpPr>
+          <p:nvPr>
+            <p:ph type="dt" idx="1"/>
+          </p:nvPr>
+        </p:nvSpPr>
+        <p:spPr>
+          <a:xfrm>
+            <a:off x="3884613" y="0"/>
+            <a:ext cx="2971800" cy="457200"/>
+          </a:xfrm>
+          <a:prstGeom prst="rect">
+            <a:avLst/>
+          </a:prstGeom>
+        </p:spPr>
+        <p:txBody>
+          <a:bodyPr vert="horz" lIns="91440" tIns="45720" rIns="91440" bIns="45720" rtlCol="0"/>
+          <a:lstStyle>
+            <a:lvl1pPr algn="r">
+              <a:defRPr sz="1200"/>
+            </a:lvl1pPr>
+          </a:lstStyle>
+          <a:p>
+            <a:fld id="{50C14F22-BB8C-4976-8AF0-0854EC7D3362}" type="datetimeFigureOut">
+              <a:rPr lang="en-US" smtClean="0"/>
+              <a:t>28-Apr-16</a:t>
+            </a:fld>
+            <a:endParaRPr lang="en-US"/>
+          </a:p>
+        </p:txBody>
+      </p:sp>
+      <p:sp>
+        <p:nvSpPr>
+          <p:cNvPr id="4" name="מציין מיקום של תמונת שקופית 3"/>
+          <p:cNvSpPr>
+            <a:spLocks noGrp="1" noRot="1" noChangeAspect="1"/>
+          </p:cNvSpPr>
+          <p:nvPr>
+            <p:ph type="sldImg" idx="2"/>
+          </p:nvPr>
+        </p:nvSpPr>
+        <p:spPr>
+          <a:xfrm>
+            <a:off x="381000" y="685800"/>
+            <a:ext cx="6096000" cy="3429000"/>
+          </a:xfrm>
+          <a:prstGeom prst="rect">
+            <a:avLst/>
+          </a:prstGeom>
+          <a:noFill/>
+          <a:ln w="12700">
+            <a:solidFill>
+              <a:prstClr val="black"/>
+            </a:solidFill>
+          </a:ln>
+        </p:spPr>
+        <p:txBody>
+          <a:bodyPr vert="horz" lIns="91440" tIns="45720" rIns="91440" bIns="45720" rtlCol="0" anchor="ctr"/>
+          <a:lstStyle/>
+          <a:p>
+            <a:endParaRPr lang="en-US"/>
+          </a:p>
+        </p:txBody>
+      </p:sp>
+      <p:sp>
+        <p:nvSpPr>
+          <p:cNvPr id="5" name="מציין מיקום של הערות 4"/>
+          <p:cNvSpPr>
+            <a:spLocks noGrp="1"/>
+          </p:cNvSpPr>
+          <p:nvPr>
+            <p:ph type="body" sz="quarter" idx="3"/>
+          </p:nvPr>
+        </p:nvSpPr>
+        <p:spPr>
+          <a:xfrm>
+            <a:off x="685800" y="4343400"/>
+            <a:ext cx="5486400" cy="4114800"/>
+          </a:xfrm>
+          <a:prstGeom prst="rect">
+            <a:avLst/>
+          </a:prstGeom>
+        </p:spPr>
+        <p:txBody>
+          <a:bodyPr vert="horz" lIns="91440" tIns="45720" rIns="91440" bIns="45720" rtlCol="0"/>
+          <a:lstStyle/>
+          <a:p>
+            <a:pPr lvl="0"/>
+            <a:r>
+              <a:rPr lang="he-IL" smtClean="0"/>
+              <a:t>לחץ כדי לערוך סגנונות טקסט של תבנית בסיס</a:t>
+            </a:r>
+          </a:p>
+          <a:p>
+            <a:pPr lvl="1"/>
+            <a:r>
+              <a:rPr lang="he-IL" smtClean="0"/>
+              <a:t>רמה שנייה</a:t>
+            </a:r>
+          </a:p>
+          <a:p>
+            <a:pPr lvl="2"/>
+            <a:r>
+              <a:rPr lang="he-IL" smtClean="0"/>
+              <a:t>רמה שלישית</a:t>
+            </a:r>
+          </a:p>
+          <a:p>
+            <a:pPr lvl="3"/>
+            <a:r>
+              <a:rPr lang="he-IL" smtClean="0"/>
+              <a:t>רמה רביעית</a:t>
+            </a:r>
+          </a:p>
+          <a:p>
+            <a:pPr lvl="4"/>
+            <a:r>
+              <a:rPr lang="he-IL" smtClean="0"/>
+              <a:t>רמה חמישית</a:t>
+            </a:r>
+            <a:endParaRPr lang="en-US"/>
+          </a:p>
+        </p:txBody>
+      </p:sp>
+      <p:sp>
+        <p:nvSpPr>
+          <p:cNvPr id="6" name="מציין מיקום של כותרת תחתונה 5"/>
+          <p:cNvSpPr>
+            <a:spLocks noGrp="1"/>
+          </p:cNvSpPr>
+          <p:nvPr>
+            <p:ph type="ftr" sz="quarter" idx="4"/>
+          </p:nvPr>
+        </p:nvSpPr>
+        <p:spPr>
+          <a:xfrm>
+            <a:off x="0" y="8685213"/>
+            <a:ext cx="2971800" cy="457200"/>
+          </a:xfrm>
+          <a:prstGeom prst="rect">
+            <a:avLst/>
+          </a:prstGeom>
+        </p:spPr>
+        <p:txBody>
+          <a:bodyPr vert="horz" lIns="91440" tIns="45720" rIns="91440" bIns="45720" rtlCol="0" anchor="b"/>
+          <a:lstStyle>
+            <a:lvl1pPr algn="l">
+              <a:defRPr sz="1200"/>
+            </a:lvl1pPr>
+          </a:lstStyle>
+          <a:p>
+            <a:endParaRPr lang="en-US"/>
+          </a:p>
+        </p:txBody>
+      </p:sp>
+      <p:sp>
+        <p:nvSpPr>
+          <p:cNvPr id="7" name="מציין מיקום של מספר שקופית 6"/>
+          <p:cNvSpPr>
+            <a:spLocks noGrp="1"/>
+          </p:cNvSpPr>
+          <p:nvPr>
+            <p:ph type="sldNum" sz="quarter" idx="5"/>
+          </p:nvPr>
+        </p:nvSpPr>
+        <p:spPr>
+          <a:xfrm>
+            <a:off x="3884613" y="8685213"/>
+            <a:ext cx="2971800" cy="457200"/>
+          </a:xfrm>
+          <a:prstGeom prst="rect">
+            <a:avLst/>
+          </a:prstGeom>
+        </p:spPr>
+        <p:txBody>
+          <a:bodyPr vert="horz" lIns="91440" tIns="45720" rIns="91440" bIns="45720" rtlCol="0" anchor="b"/>
+          <a:lstStyle>
+            <a:lvl1pPr algn="r">
+              <a:defRPr sz="1200"/>
+            </a:lvl1pPr>
+          </a:lstStyle>
+          <a:p>
+            <a:fld id="{F71DA70F-7B14-4CF9-B48A-F06CFB181F89}" type="slidenum">
+              <a:rPr lang="en-US" smtClean="0"/>
+              <a:t>‹#›</a:t>
+            </a:fld>
+            <a:endParaRPr lang="en-US"/>
+          </a:p>
+        </p:txBody>
+      </p:sp>
+    </p:spTree>
+    <p:extLst>
+      <p:ext uri="{BB962C8B-B14F-4D97-AF65-F5344CB8AC3E}">
+        <p14:creationId xmlns:p14="http://schemas.microsoft.com/office/powerpoint/2010/main" val="3334160167"/>
+      </p:ext>
+    </p:extLst>
+  </p:cSld>
+  <p:clrMap bg1="lt1" tx1="dk1" bg2="lt2" tx2="dk2" accent1="accent1" accent2="accent2" accent3="accent3" accent4="accent4" accent5="accent5" accent6="accent6" hlink="hlink" folHlink="folHlink"/>
+  <p:notesStyle>
+    <a:lvl1pPr marL="0" algn="l" defTabSz="914400" rtl="0" eaLnBrk="1" latinLnBrk="0" hangingPunct="1">
+      <a:defRPr sz="1200" kern="1200">
+        <a:solidFill>
+          <a:schemeClr val="tx1"/>
+        </a:solidFill>
+        <a:latin typeface="+mn-lt"/>
+        <a:ea typeface="+mn-ea"/>
+        <a:cs typeface="+mn-cs"/>
+      </a:defRPr>
+    </a:lvl1pPr>
+    <a:lvl2pPr marL="457200" algn="l" defTabSz="914400" rtl="0" eaLnBrk="1" latinLnBrk="0" hangingPunct="1">
+      <a:defRPr sz="1200" kern="1200">
+        <a:solidFill>
+          <a:schemeClr val="tx1"/>
+        </a:solidFill>
+        <a:latin typeface="+mn-lt"/>
+        <a:ea typeface="+mn-ea"/>
+        <a:cs typeface="+mn-cs"/>
+      </a:defRPr>
+    </a:lvl2pPr>
+    <a:lvl3pPr marL="914400" algn="l" defTabSz="914400" rtl="0" eaLnBrk="1" latinLnBrk="0" hangingPunct="1">
+      <a:defRPr sz="1200" kern="1200">
+        <a:solidFill>
+          <a:schemeClr val="tx1"/>
+        </a:solidFill>
+        <a:latin typeface="+mn-lt"/>
+        <a:ea typeface="+mn-ea"/>
+        <a:cs typeface="+mn-cs"/>
+      </a:defRPr>
+    </a:lvl3pPr>
+    <a:lvl4pPr marL="1371600" algn="l" defTabSz="914400" rtl="0" eaLnBrk="1" latinLnBrk="0" hangingPunct="1">
+      <a:defRPr sz="1200" kern="1200">
+        <a:solidFill>
+          <a:schemeClr val="tx1"/>
+        </a:solidFill>
+        <a:latin typeface="+mn-lt"/>
+        <a:ea typeface="+mn-ea"/>
+        <a:cs typeface="+mn-cs"/>
+      </a:defRPr>
+    </a:lvl4pPr>
+    <a:lvl5pPr marL="1828800" algn="l" defTabSz="914400" rtl="0" eaLnBrk="1" latinLnBrk="0" hangingPunct="1">
+      <a:defRPr sz="1200" kern="1200">
+        <a:solidFill>
+          <a:schemeClr val="tx1"/>
+        </a:solidFill>
+        <a:latin typeface="+mn-lt"/>
+        <a:ea typeface="+mn-ea"/>
+        <a:cs typeface="+mn-cs"/>
+      </a:defRPr>
+    </a:lvl5pPr>
+    <a:lvl6pPr marL="2286000" algn="l" defTabSz="914400" rtl="0" eaLnBrk="1" latinLnBrk="0" hangingPunct="1">
+      <a:defRPr sz="1200" kern="1200">
+        <a:solidFill>
+          <a:schemeClr val="tx1"/>
+        </a:solidFill>
+        <a:latin typeface="+mn-lt"/>
+        <a:ea typeface="+mn-ea"/>
+        <a:cs typeface="+mn-cs"/>
+      </a:defRPr>
+    </a:lvl6pPr>
+    <a:lvl7pPr marL="2743200" algn="l" defTabSz="914400" rtl="0" eaLnBrk="1" latinLnBrk="0" hangingPunct="1">
+      <a:defRPr sz="1200" kern="1200">
+        <a:solidFill>
+          <a:schemeClr val="tx1"/>
+        </a:solidFill>
+        <a:latin typeface="+mn-lt"/>
+        <a:ea typeface="+mn-ea"/>
+        <a:cs typeface="+mn-cs"/>
+      </a:defRPr>
+    </a:lvl7pPr>
+    <a:lvl8pPr marL="3200400" algn="l" defTabSz="914400" rtl="0" eaLnBrk="1" latinLnBrk="0" hangingPunct="1">
+      <a:defRPr sz="1200" kern="1200">
+        <a:solidFill>
+          <a:schemeClr val="tx1"/>
+        </a:solidFill>
+        <a:latin typeface="+mn-lt"/>
+        <a:ea typeface="+mn-ea"/>
+        <a:cs typeface="+mn-cs"/>
+      </a:defRPr>
+    </a:lvl8pPr>
+    <a:lvl9pPr marL="3657600" algn="l" defTabSz="914400" rtl="0" eaLnBrk="1" latinLnBrk="0" hangingPunct="1">
+      <a:defRPr sz="1200" kern="1200">
+        <a:solidFill>
+          <a:schemeClr val="tx1"/>
+        </a:solidFill>
+        <a:latin typeface="+mn-lt"/>
+        <a:ea typeface="+mn-ea"/>
+        <a:cs typeface="+mn-cs"/>
+      </a:defRPr>
+    </a:lvl9pPr>
+  </p:notesStyle>
+</p:notesMaster>
 </file>
 
 <file path=ppt/slideLayouts/slideLayout1.xml><?xml version="1.0" encoding="utf-8"?>
@@ -244,7 +599,7 @@
           <a:p>
             <a:fld id="{E4F3FD99-CBEC-46BF-9ED6-4604B683A3EE}" type="datetimeFigureOut">
               <a:rPr lang="he-IL" smtClean="0"/>
-              <a:t>ה'/ניסן/תשע"ו</a:t>
+              <a:t>כ'/ניסן/תשע"ו</a:t>
             </a:fld>
             <a:endParaRPr lang="he-IL"/>
           </a:p>
@@ -412,7 +767,7 @@
           <a:p>
             <a:fld id="{E4F3FD99-CBEC-46BF-9ED6-4604B683A3EE}" type="datetimeFigureOut">
               <a:rPr lang="he-IL" smtClean="0"/>
-              <a:t>ה'/ניסן/תשע"ו</a:t>
+              <a:t>כ'/ניסן/תשע"ו</a:t>
             </a:fld>
             <a:endParaRPr lang="he-IL"/>
           </a:p>
@@ -590,7 +945,7 @@
           <a:p>
             <a:fld id="{E4F3FD99-CBEC-46BF-9ED6-4604B683A3EE}" type="datetimeFigureOut">
               <a:rPr lang="he-IL" smtClean="0"/>
-              <a:t>ה'/ניסן/תשע"ו</a:t>
+              <a:t>כ'/ניסן/תשע"ו</a:t>
             </a:fld>
             <a:endParaRPr lang="he-IL"/>
           </a:p>
@@ -758,7 +1113,7 @@
           <a:p>
             <a:fld id="{E4F3FD99-CBEC-46BF-9ED6-4604B683A3EE}" type="datetimeFigureOut">
               <a:rPr lang="he-IL" smtClean="0"/>
-              <a:t>ה'/ניסן/תשע"ו</a:t>
+              <a:t>כ'/ניסן/תשע"ו</a:t>
             </a:fld>
             <a:endParaRPr lang="he-IL"/>
           </a:p>
@@ -1003,7 +1358,7 @@
           <a:p>
             <a:fld id="{E4F3FD99-CBEC-46BF-9ED6-4604B683A3EE}" type="datetimeFigureOut">
               <a:rPr lang="he-IL" smtClean="0"/>
-              <a:t>ה'/ניסן/תשע"ו</a:t>
+              <a:t>כ'/ניסן/תשע"ו</a:t>
             </a:fld>
             <a:endParaRPr lang="he-IL"/>
           </a:p>
@@ -1232,7 +1587,7 @@
           <a:p>
             <a:fld id="{E4F3FD99-CBEC-46BF-9ED6-4604B683A3EE}" type="datetimeFigureOut">
               <a:rPr lang="he-IL" smtClean="0"/>
-              <a:t>ה'/ניסן/תשע"ו</a:t>
+              <a:t>כ'/ניסן/תשע"ו</a:t>
             </a:fld>
             <a:endParaRPr lang="he-IL"/>
           </a:p>
@@ -1596,7 +1951,7 @@
           <a:p>
             <a:fld id="{E4F3FD99-CBEC-46BF-9ED6-4604B683A3EE}" type="datetimeFigureOut">
               <a:rPr lang="he-IL" smtClean="0"/>
-              <a:t>ה'/ניסן/תשע"ו</a:t>
+              <a:t>כ'/ניסן/תשע"ו</a:t>
             </a:fld>
             <a:endParaRPr lang="he-IL"/>
           </a:p>
@@ -1713,7 +2068,7 @@
           <a:p>
             <a:fld id="{E4F3FD99-CBEC-46BF-9ED6-4604B683A3EE}" type="datetimeFigureOut">
               <a:rPr lang="he-IL" smtClean="0"/>
-              <a:t>ה'/ניסן/תשע"ו</a:t>
+              <a:t>כ'/ניסן/תשע"ו</a:t>
             </a:fld>
             <a:endParaRPr lang="he-IL"/>
           </a:p>
@@ -1808,7 +2163,7 @@
           <a:p>
             <a:fld id="{E4F3FD99-CBEC-46BF-9ED6-4604B683A3EE}" type="datetimeFigureOut">
               <a:rPr lang="he-IL" smtClean="0"/>
-              <a:t>ה'/ניסן/תשע"ו</a:t>
+              <a:t>כ'/ניסן/תשע"ו</a:t>
             </a:fld>
             <a:endParaRPr lang="he-IL"/>
           </a:p>
@@ -2083,7 +2438,7 @@
           <a:p>
             <a:fld id="{E4F3FD99-CBEC-46BF-9ED6-4604B683A3EE}" type="datetimeFigureOut">
               <a:rPr lang="he-IL" smtClean="0"/>
-              <a:t>ה'/ניסן/תשע"ו</a:t>
+              <a:t>כ'/ניסן/תשע"ו</a:t>
             </a:fld>
             <a:endParaRPr lang="he-IL"/>
           </a:p>
@@ -2335,7 +2690,7 @@
           <a:p>
             <a:fld id="{E4F3FD99-CBEC-46BF-9ED6-4604B683A3EE}" type="datetimeFigureOut">
               <a:rPr lang="he-IL" smtClean="0"/>
-              <a:t>ה'/ניסן/תשע"ו</a:t>
+              <a:t>כ'/ניסן/תשע"ו</a:t>
             </a:fld>
             <a:endParaRPr lang="he-IL"/>
           </a:p>
@@ -2546,7 +2901,7 @@
           <a:p>
             <a:fld id="{E4F3FD99-CBEC-46BF-9ED6-4604B683A3EE}" type="datetimeFigureOut">
               <a:rPr lang="he-IL" smtClean="0"/>
-              <a:t>ה'/ניסן/תשע"ו</a:t>
+              <a:t>כ'/ניסן/תשע"ו</a:t>
             </a:fld>
             <a:endParaRPr lang="he-IL"/>
           </a:p>
@@ -3010,627 +3365,17 @@
   <p:clrMapOvr>
     <a:masterClrMapping/>
   </p:clrMapOvr>
+  <p:timing>
+    <p:tnLst>
+      <p:par>
+        <p:cTn id="1" dur="indefinite" restart="never" nodeType="tmRoot"/>
+      </p:par>
+    </p:tnLst>
+  </p:timing>
 </p:sld>
 </file>
 
 <file path=ppt/slides/slide2.xml><?xml version="1.0" encoding="utf-8"?>
-<p:sld xmlns:a="http://schemas.openxmlformats.org/drawingml/2006/main" xmlns:r="http://schemas.openxmlformats.org/officeDocument/2006/relationships" xmlns:p="http://schemas.openxmlformats.org/presentationml/2006/main">
-  <p:cSld>
-    <p:spTree>
-      <p:nvGrpSpPr>
-        <p:cNvPr id="1" name=""/>
-        <p:cNvGrpSpPr/>
-        <p:nvPr/>
-      </p:nvGrpSpPr>
-      <p:grpSpPr>
-        <a:xfrm>
-          <a:off x="0" y="0"/>
-          <a:ext cx="0" cy="0"/>
-          <a:chOff x="0" y="0"/>
-          <a:chExt cx="0" cy="0"/>
-        </a:xfrm>
-      </p:grpSpPr>
-      <p:sp>
-        <p:nvSpPr>
-          <p:cNvPr id="2" name="כותרת 1"/>
-          <p:cNvSpPr>
-            <a:spLocks noGrp="1"/>
-          </p:cNvSpPr>
-          <p:nvPr>
-            <p:ph type="title"/>
-          </p:nvPr>
-        </p:nvSpPr>
-        <p:spPr/>
-        <p:txBody>
-          <a:bodyPr/>
-          <a:lstStyle/>
-          <a:p>
-            <a:pPr algn="l" rtl="0"/>
-            <a:r>
-              <a:rPr lang="en-US" b="1" dirty="0"/>
-              <a:t>Google earth</a:t>
-            </a:r>
-            <a:endParaRPr lang="he-IL" b="1" dirty="0"/>
-          </a:p>
-        </p:txBody>
-      </p:sp>
-      <p:pic>
-        <p:nvPicPr>
-          <p:cNvPr id="1026" name="Picture 2" descr="http://screenshots.en.sftcdn.net/en/scrn/41000/41959/google-earth-15.jpg"/>
-          <p:cNvPicPr>
-            <a:picLocks noGrp="1" noChangeAspect="1" noChangeArrowheads="1"/>
-          </p:cNvPicPr>
-          <p:nvPr>
-            <p:ph idx="1"/>
-          </p:nvPr>
-        </p:nvPicPr>
-        <p:blipFill>
-          <a:blip r:embed="rId2">
-            <a:extLst>
-              <a:ext uri="{28A0092B-C50C-407E-A947-70E740481C1C}">
-                <a14:useLocalDpi xmlns:a14="http://schemas.microsoft.com/office/drawing/2010/main" val="0"/>
-              </a:ext>
-            </a:extLst>
-          </a:blip>
-          <a:srcRect/>
-          <a:stretch>
-            <a:fillRect/>
-          </a:stretch>
-        </p:blipFill>
-        <p:spPr bwMode="auto">
-          <a:xfrm>
-            <a:off x="68655" y="1672576"/>
-            <a:ext cx="5219317" cy="3623697"/>
-          </a:xfrm>
-          <a:prstGeom prst="rect">
-            <a:avLst/>
-          </a:prstGeom>
-          <a:noFill/>
-          <a:extLst>
-            <a:ext uri="{909E8E84-426E-40DD-AFC4-6F175D3DCCD1}">
-              <a14:hiddenFill xmlns:a14="http://schemas.microsoft.com/office/drawing/2010/main">
-                <a:solidFill>
-                  <a:srgbClr val="FFFFFF"/>
-                </a:solidFill>
-              </a14:hiddenFill>
-            </a:ext>
-          </a:extLst>
-        </p:spPr>
-      </p:pic>
-      <p:sp>
-        <p:nvSpPr>
-          <p:cNvPr id="5" name="TextBox 4"/>
-          <p:cNvSpPr txBox="1"/>
-          <p:nvPr/>
-        </p:nvSpPr>
-        <p:spPr>
-          <a:xfrm>
-            <a:off x="5488778" y="1672576"/>
-            <a:ext cx="6337425" cy="4031873"/>
-          </a:xfrm>
-          <a:prstGeom prst="rect">
-            <a:avLst/>
-          </a:prstGeom>
-          <a:noFill/>
-        </p:spPr>
-        <p:txBody>
-          <a:bodyPr wrap="square" rtlCol="1">
-            <a:spAutoFit/>
-          </a:bodyPr>
-          <a:lstStyle/>
-          <a:p>
-            <a:pPr algn="just"/>
-            <a:r>
-              <a:rPr lang="he-IL" sz="1600" dirty="0">
-                <a:latin typeface="Tahoma" panose="020B0604030504040204" pitchFamily="34" charset="0"/>
-                <a:ea typeface="Tahoma" panose="020B0604030504040204" pitchFamily="34" charset="0"/>
-                <a:cs typeface="Tahoma" panose="020B0604030504040204" pitchFamily="34" charset="0"/>
-              </a:rPr>
-              <a:t>תוכנה מבית היוצר של חברת גוגל. התוכנה מאפשרת להביט בתצלומי </a:t>
-            </a:r>
-            <a:r>
-              <a:rPr lang="he-IL" sz="1600" dirty="0" err="1">
-                <a:latin typeface="Tahoma" panose="020B0604030504040204" pitchFamily="34" charset="0"/>
-                <a:ea typeface="Tahoma" panose="020B0604030504040204" pitchFamily="34" charset="0"/>
-                <a:cs typeface="Tahoma" panose="020B0604030504040204" pitchFamily="34" charset="0"/>
-              </a:rPr>
-              <a:t>לווין</a:t>
-            </a:r>
-            <a:r>
-              <a:rPr lang="he-IL" sz="1600" dirty="0">
-                <a:latin typeface="Tahoma" panose="020B0604030504040204" pitchFamily="34" charset="0"/>
-                <a:ea typeface="Tahoma" panose="020B0604030504040204" pitchFamily="34" charset="0"/>
-                <a:cs typeface="Tahoma" panose="020B0604030504040204" pitchFamily="34" charset="0"/>
-              </a:rPr>
-              <a:t> של כדור הארץ ברזולוציית צילום גבוהה ביותר .</a:t>
-            </a:r>
-          </a:p>
-          <a:p>
-            <a:pPr algn="just"/>
-            <a:r>
-              <a:rPr lang="en-US" sz="1600" dirty="0">
-                <a:latin typeface="Tahoma" panose="020B0604030504040204" pitchFamily="34" charset="0"/>
-                <a:ea typeface="Tahoma" panose="020B0604030504040204" pitchFamily="34" charset="0"/>
-                <a:cs typeface="Tahoma" panose="020B0604030504040204" pitchFamily="34" charset="0"/>
-              </a:rPr>
-              <a:t> Google Earth </a:t>
-            </a:r>
-            <a:r>
-              <a:rPr lang="he-IL" sz="1600" dirty="0">
-                <a:latin typeface="Tahoma" panose="020B0604030504040204" pitchFamily="34" charset="0"/>
-                <a:ea typeface="Tahoma" panose="020B0604030504040204" pitchFamily="34" charset="0"/>
-                <a:cs typeface="Tahoma" panose="020B0604030504040204" pitchFamily="34" charset="0"/>
-              </a:rPr>
-              <a:t>הוא תצלום לוויין דינמי ואינטראקטיבי המייצג מידע גאוגרפי רב-</a:t>
-            </a:r>
-            <a:r>
-              <a:rPr lang="he-IL" sz="1600" dirty="0" err="1">
-                <a:latin typeface="Tahoma" panose="020B0604030504040204" pitchFamily="34" charset="0"/>
-                <a:ea typeface="Tahoma" panose="020B0604030504040204" pitchFamily="34" charset="0"/>
-                <a:cs typeface="Tahoma" panose="020B0604030504040204" pitchFamily="34" charset="0"/>
-              </a:rPr>
-              <a:t>מימדי</a:t>
-            </a:r>
-            <a:r>
-              <a:rPr lang="en-US" sz="1600" dirty="0">
-                <a:latin typeface="Tahoma" panose="020B0604030504040204" pitchFamily="34" charset="0"/>
-                <a:ea typeface="Tahoma" panose="020B0604030504040204" pitchFamily="34" charset="0"/>
-                <a:cs typeface="Tahoma" panose="020B0604030504040204" pitchFamily="34" charset="0"/>
-              </a:rPr>
-              <a:t> </a:t>
-            </a:r>
-            <a:r>
-              <a:rPr lang="he-IL" sz="1600" dirty="0">
-                <a:latin typeface="Tahoma" panose="020B0604030504040204" pitchFamily="34" charset="0"/>
-                <a:ea typeface="Tahoma" panose="020B0604030504040204" pitchFamily="34" charset="0"/>
-                <a:cs typeface="Tahoma" panose="020B0604030504040204" pitchFamily="34" charset="0"/>
-              </a:rPr>
-              <a:t>שמאפשר חיפוש מקומות על פני כדור הארץ, הוספת מידע וקישור לקהילות משתמשים שונות. בנוסף, כל משתמש יכול לבנות דגמים תלת-</a:t>
-            </a:r>
-            <a:r>
-              <a:rPr lang="he-IL" sz="1600" dirty="0" err="1">
-                <a:latin typeface="Tahoma" panose="020B0604030504040204" pitchFamily="34" charset="0"/>
-                <a:ea typeface="Tahoma" panose="020B0604030504040204" pitchFamily="34" charset="0"/>
-                <a:cs typeface="Tahoma" panose="020B0604030504040204" pitchFamily="34" charset="0"/>
-              </a:rPr>
-              <a:t>מימדיים</a:t>
-            </a:r>
-            <a:r>
-              <a:rPr lang="he-IL" sz="1600" dirty="0">
-                <a:latin typeface="Tahoma" panose="020B0604030504040204" pitchFamily="34" charset="0"/>
-                <a:ea typeface="Tahoma" panose="020B0604030504040204" pitchFamily="34" charset="0"/>
-                <a:cs typeface="Tahoma" panose="020B0604030504040204" pitchFamily="34" charset="0"/>
-              </a:rPr>
-              <a:t> של בתים ובניינים, החל מביתו הפרטי ועד לגורדי שחקים ב-</a:t>
-            </a:r>
-            <a:r>
-              <a:rPr lang="en-US" sz="1600" dirty="0">
-                <a:latin typeface="Tahoma" panose="020B0604030504040204" pitchFamily="34" charset="0"/>
-                <a:ea typeface="Tahoma" panose="020B0604030504040204" pitchFamily="34" charset="0"/>
-                <a:cs typeface="Tahoma" panose="020B0604030504040204" pitchFamily="34" charset="0"/>
-              </a:rPr>
-              <a:t>Google </a:t>
-            </a:r>
-            <a:r>
-              <a:rPr lang="en-US" sz="1600" dirty="0" err="1">
-                <a:latin typeface="Tahoma" panose="020B0604030504040204" pitchFamily="34" charset="0"/>
-                <a:ea typeface="Tahoma" panose="020B0604030504040204" pitchFamily="34" charset="0"/>
-                <a:cs typeface="Tahoma" panose="020B0604030504040204" pitchFamily="34" charset="0"/>
-              </a:rPr>
-              <a:t>SketchUp</a:t>
-            </a:r>
-            <a:r>
-              <a:rPr lang="he-IL" sz="1600" dirty="0">
-                <a:latin typeface="Tahoma" panose="020B0604030504040204" pitchFamily="34" charset="0"/>
-                <a:ea typeface="Tahoma" panose="020B0604030504040204" pitchFamily="34" charset="0"/>
-                <a:cs typeface="Tahoma" panose="020B0604030504040204" pitchFamily="34" charset="0"/>
-              </a:rPr>
-              <a:t> ואחר כך לחזור ולשתול אותם במיקומם המדויק על פני כדור הארץ בתוכנה או לחלופין לבחור לאחסן, לשתף אחרים ביצירתו או לחפש יצירות של אחרים ב-</a:t>
-            </a:r>
-            <a:r>
-              <a:rPr lang="en-US" sz="1600" dirty="0">
-                <a:latin typeface="Tahoma" panose="020B0604030504040204" pitchFamily="34" charset="0"/>
-                <a:ea typeface="Tahoma" panose="020B0604030504040204" pitchFamily="34" charset="0"/>
-                <a:cs typeface="Tahoma" panose="020B0604030504040204" pitchFamily="34" charset="0"/>
-              </a:rPr>
-              <a:t> D Warehouse.3</a:t>
-            </a:r>
-          </a:p>
-          <a:p>
-            <a:pPr algn="just"/>
-            <a:r>
-              <a:rPr lang="he-IL" sz="1600" dirty="0">
-                <a:latin typeface="Tahoma" panose="020B0604030504040204" pitchFamily="34" charset="0"/>
-                <a:ea typeface="Tahoma" panose="020B0604030504040204" pitchFamily="34" charset="0"/>
-                <a:cs typeface="Tahoma" panose="020B0604030504040204" pitchFamily="34" charset="0"/>
-              </a:rPr>
-              <a:t>בנוסף לצפייה בפני השטח של כדור הארץ מאפשרת התוכנה גם צפייה מתחת למים; בנוסף, </a:t>
-            </a:r>
-            <a:r>
-              <a:rPr lang="en-US" sz="1600" dirty="0">
-                <a:latin typeface="Tahoma" panose="020B0604030504040204" pitchFamily="34" charset="0"/>
-                <a:ea typeface="Tahoma" panose="020B0604030504040204" pitchFamily="34" charset="0"/>
-                <a:cs typeface="Tahoma" panose="020B0604030504040204" pitchFamily="34" charset="0"/>
-              </a:rPr>
-              <a:t>Google Mars </a:t>
-            </a:r>
-            <a:r>
-              <a:rPr lang="he-IL" sz="1600" dirty="0">
-                <a:latin typeface="Tahoma" panose="020B0604030504040204" pitchFamily="34" charset="0"/>
-                <a:ea typeface="Tahoma" panose="020B0604030504040204" pitchFamily="34" charset="0"/>
-                <a:cs typeface="Tahoma" panose="020B0604030504040204" pitchFamily="34" charset="0"/>
-              </a:rPr>
-              <a:t> מאפשר צפייה בחלל החיצון; </a:t>
-            </a:r>
-            <a:r>
-              <a:rPr lang="en-US" sz="1600" dirty="0">
-                <a:latin typeface="Tahoma" panose="020B0604030504040204" pitchFamily="34" charset="0"/>
-                <a:ea typeface="Tahoma" panose="020B0604030504040204" pitchFamily="34" charset="0"/>
-                <a:cs typeface="Tahoma" panose="020B0604030504040204" pitchFamily="34" charset="0"/>
-              </a:rPr>
-              <a:t>  Google Mars</a:t>
-            </a:r>
-            <a:r>
-              <a:rPr lang="he-IL" sz="1600" dirty="0">
-                <a:latin typeface="Tahoma" panose="020B0604030504040204" pitchFamily="34" charset="0"/>
-                <a:ea typeface="Tahoma" panose="020B0604030504040204" pitchFamily="34" charset="0"/>
-                <a:cs typeface="Tahoma" panose="020B0604030504040204" pitchFamily="34" charset="0"/>
-              </a:rPr>
-              <a:t>מאפשר צפייה במאדים; </a:t>
-            </a:r>
-            <a:r>
-              <a:rPr lang="en-US" sz="1600" dirty="0">
-                <a:latin typeface="Tahoma" panose="020B0604030504040204" pitchFamily="34" charset="0"/>
-                <a:ea typeface="Tahoma" panose="020B0604030504040204" pitchFamily="34" charset="0"/>
-                <a:cs typeface="Tahoma" panose="020B0604030504040204" pitchFamily="34" charset="0"/>
-              </a:rPr>
-              <a:t>Google Moon </a:t>
-            </a:r>
-            <a:r>
-              <a:rPr lang="he-IL" sz="1600" dirty="0">
-                <a:latin typeface="Tahoma" panose="020B0604030504040204" pitchFamily="34" charset="0"/>
-                <a:ea typeface="Tahoma" panose="020B0604030504040204" pitchFamily="34" charset="0"/>
-                <a:cs typeface="Tahoma" panose="020B0604030504040204" pitchFamily="34" charset="0"/>
-              </a:rPr>
-              <a:t> מאפשר צפייה בירח ו-</a:t>
-            </a:r>
-            <a:r>
-              <a:rPr lang="en-US" sz="1600" dirty="0">
-                <a:latin typeface="Tahoma" panose="020B0604030504040204" pitchFamily="34" charset="0"/>
-                <a:ea typeface="Tahoma" panose="020B0604030504040204" pitchFamily="34" charset="0"/>
-                <a:cs typeface="Tahoma" panose="020B0604030504040204" pitchFamily="34" charset="0"/>
-              </a:rPr>
-              <a:t> Google Street View </a:t>
-            </a:r>
-            <a:r>
-              <a:rPr lang="he-IL" sz="1600" dirty="0">
-                <a:latin typeface="Tahoma" panose="020B0604030504040204" pitchFamily="34" charset="0"/>
-                <a:ea typeface="Tahoma" panose="020B0604030504040204" pitchFamily="34" charset="0"/>
-                <a:cs typeface="Tahoma" panose="020B0604030504040204" pitchFamily="34" charset="0"/>
-              </a:rPr>
-              <a:t>מאפשר צפייה ממבט רחוב על מספר רב של מדינות בעולם (בעיקר באירופה).</a:t>
-            </a:r>
-          </a:p>
-          <a:p>
-            <a:pPr algn="just"/>
-            <a:r>
-              <a:rPr lang="he-IL" sz="1600" dirty="0">
-                <a:latin typeface="Tahoma" panose="020B0604030504040204" pitchFamily="34" charset="0"/>
-                <a:ea typeface="Tahoma" panose="020B0604030504040204" pitchFamily="34" charset="0"/>
-                <a:cs typeface="Tahoma" panose="020B0604030504040204" pitchFamily="34" charset="0"/>
-              </a:rPr>
-              <a:t>בנוסף, טעינת קבצי </a:t>
-            </a:r>
-            <a:r>
-              <a:rPr lang="en-US" sz="1600" dirty="0">
-                <a:latin typeface="Tahoma" panose="020B0604030504040204" pitchFamily="34" charset="0"/>
-                <a:ea typeface="Tahoma" panose="020B0604030504040204" pitchFamily="34" charset="0"/>
-                <a:cs typeface="Tahoma" panose="020B0604030504040204" pitchFamily="34" charset="0"/>
-              </a:rPr>
-              <a:t>NMEA</a:t>
-            </a:r>
-            <a:r>
-              <a:rPr lang="he-IL" sz="1600" dirty="0">
-                <a:latin typeface="Tahoma" panose="020B0604030504040204" pitchFamily="34" charset="0"/>
-                <a:ea typeface="Tahoma" panose="020B0604030504040204" pitchFamily="34" charset="0"/>
-                <a:cs typeface="Tahoma" panose="020B0604030504040204" pitchFamily="34" charset="0"/>
-              </a:rPr>
-              <a:t> והצגתם בצורה ויזואלית. </a:t>
-            </a:r>
-          </a:p>
-        </p:txBody>
-      </p:sp>
-    </p:spTree>
-    <p:extLst>
-      <p:ext uri="{BB962C8B-B14F-4D97-AF65-F5344CB8AC3E}">
-        <p14:creationId xmlns:p14="http://schemas.microsoft.com/office/powerpoint/2010/main" val="1720784008"/>
-      </p:ext>
-    </p:extLst>
-  </p:cSld>
-  <p:clrMapOvr>
-    <a:masterClrMapping/>
-  </p:clrMapOvr>
-</p:sld>
-</file>
-
-<file path=ppt/slides/slide3.xml><?xml version="1.0" encoding="utf-8"?>
-<p:sld xmlns:a="http://schemas.openxmlformats.org/drawingml/2006/main" xmlns:r="http://schemas.openxmlformats.org/officeDocument/2006/relationships" xmlns:p="http://schemas.openxmlformats.org/presentationml/2006/main">
-  <p:cSld>
-    <p:spTree>
-      <p:nvGrpSpPr>
-        <p:cNvPr id="1" name=""/>
-        <p:cNvGrpSpPr/>
-        <p:nvPr/>
-      </p:nvGrpSpPr>
-      <p:grpSpPr>
-        <a:xfrm>
-          <a:off x="0" y="0"/>
-          <a:ext cx="0" cy="0"/>
-          <a:chOff x="0" y="0"/>
-          <a:chExt cx="0" cy="0"/>
-        </a:xfrm>
-      </p:grpSpPr>
-      <p:sp>
-        <p:nvSpPr>
-          <p:cNvPr id="2" name="כותרת 1"/>
-          <p:cNvSpPr>
-            <a:spLocks noGrp="1"/>
-          </p:cNvSpPr>
-          <p:nvPr>
-            <p:ph type="title"/>
-          </p:nvPr>
-        </p:nvSpPr>
-        <p:spPr>
-          <a:xfrm>
-            <a:off x="212436" y="979054"/>
-            <a:ext cx="4036290" cy="240146"/>
-          </a:xfrm>
-        </p:spPr>
-        <p:txBody>
-          <a:bodyPr>
-            <a:normAutofit fontScale="90000"/>
-          </a:bodyPr>
-          <a:lstStyle/>
-          <a:p>
-            <a:r>
-              <a:rPr lang="en-US" b="1" dirty="0"/>
-              <a:t>VisualGPSView</a:t>
-            </a:r>
-            <a:br>
-              <a:rPr lang="en-US" b="1" dirty="0"/>
-            </a:br>
-            <a:br>
-              <a:rPr lang="en-US" b="1" dirty="0"/>
-            </a:br>
-            <a:endParaRPr lang="he-IL" dirty="0"/>
-          </a:p>
-        </p:txBody>
-      </p:sp>
-      <p:pic>
-        <p:nvPicPr>
-          <p:cNvPr id="4" name="Content Placeholder 3"/>
-          <p:cNvPicPr>
-            <a:picLocks noGrp="1" noChangeAspect="1"/>
-          </p:cNvPicPr>
-          <p:nvPr>
-            <p:ph idx="1"/>
-          </p:nvPr>
-        </p:nvPicPr>
-        <p:blipFill>
-          <a:blip r:embed="rId2">
-            <a:extLst>
-              <a:ext uri="{28A0092B-C50C-407E-A947-70E740481C1C}">
-                <a14:useLocalDpi xmlns:a14="http://schemas.microsoft.com/office/drawing/2010/main" val="0"/>
-              </a:ext>
-            </a:extLst>
-          </a:blip>
-          <a:stretch>
-            <a:fillRect/>
-          </a:stretch>
-        </p:blipFill>
-        <p:spPr>
-          <a:xfrm>
-            <a:off x="142646" y="979054"/>
-            <a:ext cx="5361859" cy="4351338"/>
-          </a:xfrm>
-        </p:spPr>
-      </p:pic>
-      <p:sp>
-        <p:nvSpPr>
-          <p:cNvPr id="6" name="TextBox 5"/>
-          <p:cNvSpPr txBox="1"/>
-          <p:nvPr/>
-        </p:nvSpPr>
-        <p:spPr>
-          <a:xfrm>
-            <a:off x="5781964" y="979055"/>
-            <a:ext cx="5394036" cy="4893647"/>
-          </a:xfrm>
-          <a:prstGeom prst="rect">
-            <a:avLst/>
-          </a:prstGeom>
-          <a:noFill/>
-        </p:spPr>
-        <p:txBody>
-          <a:bodyPr wrap="square" rtlCol="1">
-            <a:spAutoFit/>
-          </a:bodyPr>
-          <a:lstStyle/>
-          <a:p>
-            <a:pPr algn="l"/>
-            <a:r>
-              <a:rPr lang="en-US" sz="1400" dirty="0">
-                <a:latin typeface="Tahoma" panose="020B0604030504040204" pitchFamily="34" charset="0"/>
-                <a:ea typeface="Tahoma" panose="020B0604030504040204" pitchFamily="34" charset="0"/>
-                <a:cs typeface="Tahoma" panose="020B0604030504040204" pitchFamily="34" charset="0"/>
-              </a:rPr>
-              <a:t>VisualGPSView (Freeware) incorporates many advanced features found in professional programs.  Its sole purpose is to display graphically specific NMEA 0183 sentences.</a:t>
-            </a:r>
-          </a:p>
-          <a:p>
-            <a:pPr algn="l"/>
-            <a:r>
-              <a:rPr lang="en-US" sz="1400" dirty="0">
-                <a:latin typeface="Tahoma" panose="020B0604030504040204" pitchFamily="34" charset="0"/>
-                <a:ea typeface="Tahoma" panose="020B0604030504040204" pitchFamily="34" charset="0"/>
-                <a:cs typeface="Tahoma" panose="020B0604030504040204" pitchFamily="34" charset="0"/>
-              </a:rPr>
-              <a:t>Features:</a:t>
-            </a:r>
-          </a:p>
-          <a:p>
-            <a:pPr algn="l"/>
-            <a:r>
-              <a:rPr lang="en-US" sz="1400" b="1" dirty="0">
-                <a:latin typeface="Tahoma" panose="020B0604030504040204" pitchFamily="34" charset="0"/>
-                <a:ea typeface="Tahoma" panose="020B0604030504040204" pitchFamily="34" charset="0"/>
-                <a:cs typeface="Tahoma" panose="020B0604030504040204" pitchFamily="34" charset="0"/>
-              </a:rPr>
-              <a:t>NMEA/GLONASS</a:t>
-            </a:r>
-            <a:r>
-              <a:rPr lang="en-US" sz="1400" dirty="0">
-                <a:latin typeface="Tahoma" panose="020B0604030504040204" pitchFamily="34" charset="0"/>
-                <a:ea typeface="Tahoma" panose="020B0604030504040204" pitchFamily="34" charset="0"/>
-                <a:cs typeface="Tahoma" panose="020B0604030504040204" pitchFamily="34" charset="0"/>
-              </a:rPr>
-              <a:t> - Supports GPS NMEA and GLONASS NMEA</a:t>
-            </a:r>
-          </a:p>
-          <a:p>
-            <a:pPr algn="l"/>
-            <a:r>
-              <a:rPr lang="en-US" sz="1400" b="1" dirty="0">
-                <a:latin typeface="Tahoma" panose="020B0604030504040204" pitchFamily="34" charset="0"/>
-                <a:ea typeface="Tahoma" panose="020B0604030504040204" pitchFamily="34" charset="0"/>
-                <a:cs typeface="Tahoma" panose="020B0604030504040204" pitchFamily="34" charset="0"/>
-              </a:rPr>
-              <a:t>Azimuth and Elevation Plot</a:t>
-            </a:r>
-            <a:r>
-              <a:rPr lang="en-US" sz="1400" dirty="0">
-                <a:latin typeface="Tahoma" panose="020B0604030504040204" pitchFamily="34" charset="0"/>
-                <a:ea typeface="Tahoma" panose="020B0604030504040204" pitchFamily="34" charset="0"/>
-                <a:cs typeface="Tahoma" panose="020B0604030504040204" pitchFamily="34" charset="0"/>
-              </a:rPr>
-              <a:t> - View all satellites that are in view. Each satellite identifies its pseudo random number (PRN) and its azimuth and elevation.</a:t>
-            </a:r>
-          </a:p>
-          <a:p>
-            <a:pPr algn="l"/>
-            <a:r>
-              <a:rPr lang="en-US" sz="1400" b="1" dirty="0">
-                <a:latin typeface="Tahoma" panose="020B0604030504040204" pitchFamily="34" charset="0"/>
-                <a:ea typeface="Tahoma" panose="020B0604030504040204" pitchFamily="34" charset="0"/>
-                <a:cs typeface="Tahoma" panose="020B0604030504040204" pitchFamily="34" charset="0"/>
-              </a:rPr>
-              <a:t>Scatter Plot</a:t>
-            </a:r>
-            <a:r>
-              <a:rPr lang="en-US" sz="1400" dirty="0">
-                <a:latin typeface="Tahoma" panose="020B0604030504040204" pitchFamily="34" charset="0"/>
-                <a:ea typeface="Tahoma" panose="020B0604030504040204" pitchFamily="34" charset="0"/>
-                <a:cs typeface="Tahoma" panose="020B0604030504040204" pitchFamily="34" charset="0"/>
-              </a:rPr>
-              <a:t> - The scatter plot shows individual position samples referenced to several type of reference types, next sample, average or user defined.</a:t>
-            </a:r>
-          </a:p>
-          <a:p>
-            <a:pPr algn="l"/>
-            <a:r>
-              <a:rPr lang="en-US" sz="1400" b="1" dirty="0">
-                <a:latin typeface="Tahoma" panose="020B0604030504040204" pitchFamily="34" charset="0"/>
-                <a:ea typeface="Tahoma" panose="020B0604030504040204" pitchFamily="34" charset="0"/>
-                <a:cs typeface="Tahoma" panose="020B0604030504040204" pitchFamily="34" charset="0"/>
-              </a:rPr>
-              <a:t>Signal Quality/SNR Window</a:t>
-            </a:r>
-            <a:r>
-              <a:rPr lang="en-US" sz="1400" dirty="0">
-                <a:latin typeface="Tahoma" panose="020B0604030504040204" pitchFamily="34" charset="0"/>
-                <a:ea typeface="Tahoma" panose="020B0604030504040204" pitchFamily="34" charset="0"/>
-                <a:cs typeface="Tahoma" panose="020B0604030504040204" pitchFamily="34" charset="0"/>
-              </a:rPr>
-              <a:t> - Monitor satellite signal to noise ratios and see them graphically on the screen. The signal quality window will grow or shrink to accommodate number of satellites in view</a:t>
-            </a:r>
-          </a:p>
-          <a:p>
-            <a:pPr algn="l"/>
-            <a:r>
-              <a:rPr lang="en-US" sz="1400" b="1" dirty="0">
-                <a:latin typeface="Tahoma" panose="020B0604030504040204" pitchFamily="34" charset="0"/>
-                <a:ea typeface="Tahoma" panose="020B0604030504040204" pitchFamily="34" charset="0"/>
-                <a:cs typeface="Tahoma" panose="020B0604030504040204" pitchFamily="34" charset="0"/>
-              </a:rPr>
-              <a:t>Position Plot</a:t>
-            </a:r>
-            <a:r>
-              <a:rPr lang="en-US" sz="1400" dirty="0">
-                <a:latin typeface="Tahoma" panose="020B0604030504040204" pitchFamily="34" charset="0"/>
-                <a:ea typeface="Tahoma" panose="020B0604030504040204" pitchFamily="34" charset="0"/>
-                <a:cs typeface="Tahoma" panose="020B0604030504040204" pitchFamily="34" charset="0"/>
-              </a:rPr>
-              <a:t> - Monitor latitude, longitude and altitude averages.</a:t>
-            </a:r>
-          </a:p>
-          <a:p>
-            <a:pPr algn="l"/>
-            <a:r>
-              <a:rPr lang="en-US" sz="1400" b="1" dirty="0">
-                <a:latin typeface="Tahoma" panose="020B0604030504040204" pitchFamily="34" charset="0"/>
-                <a:ea typeface="Tahoma" panose="020B0604030504040204" pitchFamily="34" charset="0"/>
-                <a:cs typeface="Tahoma" panose="020B0604030504040204" pitchFamily="34" charset="0"/>
-              </a:rPr>
-              <a:t>NMEA Command Monitor</a:t>
-            </a:r>
-            <a:r>
-              <a:rPr lang="en-US" sz="1400" dirty="0">
-                <a:latin typeface="Tahoma" panose="020B0604030504040204" pitchFamily="34" charset="0"/>
-                <a:ea typeface="Tahoma" panose="020B0604030504040204" pitchFamily="34" charset="0"/>
-                <a:cs typeface="Tahoma" panose="020B0604030504040204" pitchFamily="34" charset="0"/>
-              </a:rPr>
-              <a:t> - View NMEA sentences as they are received</a:t>
-            </a:r>
-          </a:p>
-          <a:p>
-            <a:pPr algn="l"/>
-            <a:r>
-              <a:rPr lang="en-US" sz="1400" b="1" dirty="0">
-                <a:latin typeface="Tahoma" panose="020B0604030504040204" pitchFamily="34" charset="0"/>
-                <a:ea typeface="Tahoma" panose="020B0604030504040204" pitchFamily="34" charset="0"/>
-                <a:cs typeface="Tahoma" panose="020B0604030504040204" pitchFamily="34" charset="0"/>
-              </a:rPr>
-              <a:t>NMEA Recording and Playback</a:t>
-            </a:r>
-            <a:r>
-              <a:rPr lang="en-US" sz="1400" dirty="0">
-                <a:latin typeface="Tahoma" panose="020B0604030504040204" pitchFamily="34" charset="0"/>
-                <a:ea typeface="Tahoma" panose="020B0604030504040204" pitchFamily="34" charset="0"/>
-                <a:cs typeface="Tahoma" panose="020B0604030504040204" pitchFamily="34" charset="0"/>
-              </a:rPr>
-              <a:t> - Record NMEA directly to a file or read NMEA from a file. NMEA files consists of standard NMEA sentences in text ASCII characters.</a:t>
-            </a:r>
-          </a:p>
-          <a:p>
-            <a:pPr algn="l"/>
-            <a:endParaRPr lang="he-IL" dirty="0"/>
-          </a:p>
-        </p:txBody>
-      </p:sp>
-    </p:spTree>
-    <p:extLst>
-      <p:ext uri="{BB962C8B-B14F-4D97-AF65-F5344CB8AC3E}">
-        <p14:creationId xmlns:p14="http://schemas.microsoft.com/office/powerpoint/2010/main" val="4102023419"/>
-      </p:ext>
-    </p:extLst>
-  </p:cSld>
-  <p:clrMapOvr>
-    <a:masterClrMapping/>
-  </p:clrMapOvr>
-</p:sld>
-</file>
-
-<file path=ppt/slides/slide4.xml><?xml version="1.0" encoding="utf-8"?>
 <p:sld xmlns:a="http://schemas.openxmlformats.org/drawingml/2006/main" xmlns:r="http://schemas.openxmlformats.org/officeDocument/2006/relationships" xmlns:p="http://schemas.openxmlformats.org/presentationml/2006/main">
   <p:cSld>
     <p:spTree>
@@ -3954,7 +3699,29 @@
                 <a:ea typeface="Tahoma" panose="020B0604030504040204" pitchFamily="34" charset="0"/>
                 <a:cs typeface="Tahoma" panose="020B0604030504040204" pitchFamily="34" charset="0"/>
               </a:rPr>
-              <a:t>NMEA 0183 data, </a:t>
+              <a:t>NMEA 0183 </a:t>
+            </a:r>
+            <a:r>
+              <a:rPr lang="en-US" sz="1600" b="1" dirty="0" smtClean="0">
+                <a:solidFill>
+                  <a:srgbClr val="000000"/>
+                </a:solidFill>
+                <a:latin typeface="Tahoma" panose="020B0604030504040204" pitchFamily="34" charset="0"/>
+                <a:ea typeface="Tahoma" panose="020B0604030504040204" pitchFamily="34" charset="0"/>
+                <a:cs typeface="Tahoma" panose="020B0604030504040204" pitchFamily="34" charset="0"/>
+              </a:rPr>
+              <a:t>data</a:t>
+            </a:r>
+            <a:r>
+              <a:rPr lang="en-US" sz="1600" b="1" dirty="0">
+                <a:solidFill>
+                  <a:srgbClr val="000000"/>
+                </a:solidFill>
+                <a:latin typeface="Tahoma" panose="020B0604030504040204" pitchFamily="34" charset="0"/>
+                <a:ea typeface="Tahoma" panose="020B0604030504040204" pitchFamily="34" charset="0"/>
+                <a:cs typeface="Tahoma" panose="020B0604030504040204" pitchFamily="34" charset="0"/>
+              </a:rPr>
+              <a:t>, </a:t>
             </a:r>
             <a:r>
               <a:rPr lang="en-US" sz="1600" b="1" dirty="0" err="1">
@@ -3983,6 +3750,38 @@
               <a:ea typeface="Tahoma" panose="020B0604030504040204" pitchFamily="34" charset="0"/>
               <a:cs typeface="Tahoma" panose="020B0604030504040204" pitchFamily="34" charset="0"/>
             </a:endParaRPr>
+          </a:p>
+        </p:txBody>
+      </p:sp>
+      <p:sp>
+        <p:nvSpPr>
+          <p:cNvPr id="2" name="TextBox 1"/>
+          <p:cNvSpPr txBox="1"/>
+          <p:nvPr/>
+        </p:nvSpPr>
+        <p:spPr>
+          <a:xfrm>
+            <a:off x="2133601" y="5985164"/>
+            <a:ext cx="5698840" cy="584775"/>
+          </a:xfrm>
+          <a:prstGeom prst="rect">
+            <a:avLst/>
+          </a:prstGeom>
+          <a:noFill/>
+        </p:spPr>
+        <p:txBody>
+          <a:bodyPr wrap="square" rtlCol="0">
+            <a:spAutoFit/>
+          </a:bodyPr>
+          <a:lstStyle/>
+          <a:p>
+            <a:r>
+              <a:rPr lang="en-US" sz="3200" dirty="0">
+                <a:hlinkClick r:id="rId4"/>
+              </a:rPr>
+              <a:t>http://www.gpsvisualizer.com/</a:t>
+            </a:r>
+            <a:endParaRPr lang="en-US" sz="3200" dirty="0"/>
           </a:p>
         </p:txBody>
       </p:sp>
@@ -3996,6 +3795,1095 @@
   <p:clrMapOvr>
     <a:masterClrMapping/>
   </p:clrMapOvr>
+  <p:timing>
+    <p:tnLst>
+      <p:par>
+        <p:cTn id="1" dur="indefinite" restart="never" nodeType="tmRoot"/>
+      </p:par>
+    </p:tnLst>
+  </p:timing>
+</p:sld>
+</file>
+
+<file path=ppt/slides/slide3.xml><?xml version="1.0" encoding="utf-8"?>
+<p:sld xmlns:a="http://schemas.openxmlformats.org/drawingml/2006/main" xmlns:r="http://schemas.openxmlformats.org/officeDocument/2006/relationships" xmlns:p="http://schemas.openxmlformats.org/presentationml/2006/main">
+  <p:cSld>
+    <p:spTree>
+      <p:nvGrpSpPr>
+        <p:cNvPr id="1" name=""/>
+        <p:cNvGrpSpPr/>
+        <p:nvPr/>
+      </p:nvGrpSpPr>
+      <p:grpSpPr>
+        <a:xfrm>
+          <a:off x="0" y="0"/>
+          <a:ext cx="0" cy="0"/>
+          <a:chOff x="0" y="0"/>
+          <a:chExt cx="0" cy="0"/>
+        </a:xfrm>
+      </p:grpSpPr>
+      <p:sp>
+        <p:nvSpPr>
+          <p:cNvPr id="2" name="כותרת 1"/>
+          <p:cNvSpPr>
+            <a:spLocks noGrp="1"/>
+          </p:cNvSpPr>
+          <p:nvPr>
+            <p:ph type="title"/>
+          </p:nvPr>
+        </p:nvSpPr>
+        <p:spPr>
+          <a:xfrm>
+            <a:off x="838200" y="365126"/>
+            <a:ext cx="10515600" cy="729384"/>
+          </a:xfrm>
+        </p:spPr>
+        <p:txBody>
+          <a:bodyPr/>
+          <a:lstStyle/>
+          <a:p>
+            <a:pPr algn="l"/>
+            <a:r>
+              <a:rPr lang="en-US" dirty="0" err="1" smtClean="0"/>
+              <a:t>Atlsoft</a:t>
+            </a:r>
+            <a:endParaRPr lang="en-US" dirty="0"/>
+          </a:p>
+        </p:txBody>
+      </p:sp>
+      <p:pic>
+        <p:nvPicPr>
+          <p:cNvPr id="2050" name="Picture 2"/>
+          <p:cNvPicPr>
+            <a:picLocks noGrp="1" noChangeAspect="1" noChangeArrowheads="1"/>
+          </p:cNvPicPr>
+          <p:nvPr>
+            <p:ph idx="1"/>
+          </p:nvPr>
+        </p:nvPicPr>
+        <p:blipFill>
+          <a:blip r:embed="rId2">
+            <a:extLst>
+              <a:ext uri="{28A0092B-C50C-407E-A947-70E740481C1C}">
+                <a14:useLocalDpi xmlns:a14="http://schemas.microsoft.com/office/drawing/2010/main" val="0"/>
+              </a:ext>
+            </a:extLst>
+          </a:blip>
+          <a:srcRect/>
+          <a:stretch>
+            <a:fillRect/>
+          </a:stretch>
+        </p:blipFill>
+        <p:spPr bwMode="auto">
+          <a:xfrm>
+            <a:off x="715710" y="1271442"/>
+            <a:ext cx="7989669" cy="4351338"/>
+          </a:xfrm>
+          <a:prstGeom prst="rect">
+            <a:avLst/>
+          </a:prstGeom>
+          <a:noFill/>
+          <a:ln>
+            <a:noFill/>
+          </a:ln>
+          <a:extLst>
+            <a:ext uri="{909E8E84-426E-40DD-AFC4-6F175D3DCCD1}">
+              <a14:hiddenFill xmlns:a14="http://schemas.microsoft.com/office/drawing/2010/main">
+                <a:solidFill>
+                  <a:schemeClr val="accent1"/>
+                </a:solidFill>
+              </a14:hiddenFill>
+            </a:ext>
+            <a:ext uri="{91240B29-F687-4F45-9708-019B960494DF}">
+              <a14:hiddenLine xmlns:a14="http://schemas.microsoft.com/office/drawing/2010/main" w="9525">
+                <a:solidFill>
+                  <a:schemeClr val="tx1"/>
+                </a:solidFill>
+                <a:miter lim="800000"/>
+                <a:headEnd/>
+                <a:tailEnd/>
+              </a14:hiddenLine>
+            </a:ext>
+          </a:extLst>
+        </p:spPr>
+      </p:pic>
+      <p:sp>
+        <p:nvSpPr>
+          <p:cNvPr id="4" name="TextBox 3"/>
+          <p:cNvSpPr txBox="1"/>
+          <p:nvPr/>
+        </p:nvSpPr>
+        <p:spPr>
+          <a:xfrm>
+            <a:off x="1510146" y="5929746"/>
+            <a:ext cx="7051963" cy="584775"/>
+          </a:xfrm>
+          <a:prstGeom prst="rect">
+            <a:avLst/>
+          </a:prstGeom>
+          <a:noFill/>
+        </p:spPr>
+        <p:txBody>
+          <a:bodyPr wrap="square" rtlCol="0">
+            <a:spAutoFit/>
+          </a:bodyPr>
+          <a:lstStyle/>
+          <a:p>
+            <a:r>
+              <a:rPr lang="en-US" sz="3200" dirty="0">
+                <a:hlinkClick r:id="rId3"/>
+              </a:rPr>
+              <a:t>http://www.atlsoft.de/gpx/</a:t>
+            </a:r>
+            <a:endParaRPr lang="en-US" sz="3200" dirty="0"/>
+          </a:p>
+        </p:txBody>
+      </p:sp>
+      <p:sp>
+        <p:nvSpPr>
+          <p:cNvPr id="5" name="TextBox 4"/>
+          <p:cNvSpPr txBox="1"/>
+          <p:nvPr/>
+        </p:nvSpPr>
+        <p:spPr>
+          <a:xfrm>
+            <a:off x="8825346" y="1870362"/>
+            <a:ext cx="3144982" cy="2062103"/>
+          </a:xfrm>
+          <a:prstGeom prst="rect">
+            <a:avLst/>
+          </a:prstGeom>
+          <a:noFill/>
+        </p:spPr>
+        <p:txBody>
+          <a:bodyPr wrap="square" rtlCol="0">
+            <a:spAutoFit/>
+          </a:bodyPr>
+          <a:lstStyle/>
+          <a:p>
+            <a:pPr algn="l"/>
+            <a:r>
+              <a:rPr lang="en-US" sz="3200" dirty="0" smtClean="0"/>
+              <a:t>Just drop </a:t>
+            </a:r>
+            <a:r>
+              <a:rPr lang="en-US" sz="3200" dirty="0" err="1" smtClean="0"/>
+              <a:t>kml</a:t>
+            </a:r>
+            <a:r>
+              <a:rPr lang="en-US" sz="3200" dirty="0" smtClean="0"/>
+              <a:t> file </a:t>
+            </a:r>
+            <a:endParaRPr lang="he-IL" sz="3200" dirty="0" smtClean="0"/>
+          </a:p>
+          <a:p>
+            <a:pPr algn="l"/>
+            <a:r>
+              <a:rPr lang="en-US" sz="3200" dirty="0" smtClean="0"/>
+              <a:t>And View the </a:t>
+            </a:r>
+            <a:r>
+              <a:rPr lang="en-US" sz="3200" dirty="0"/>
+              <a:t>Walking </a:t>
+            </a:r>
+            <a:r>
+              <a:rPr lang="en-US" sz="3200" dirty="0" smtClean="0"/>
+              <a:t>tour</a:t>
+            </a:r>
+          </a:p>
+          <a:p>
+            <a:pPr algn="l"/>
+            <a:r>
+              <a:rPr lang="en-US" sz="3200" dirty="0" smtClean="0"/>
+              <a:t> or </a:t>
+            </a:r>
+            <a:r>
+              <a:rPr lang="en-US" sz="3200" dirty="0"/>
+              <a:t>Itinerary</a:t>
+            </a:r>
+            <a:r>
+              <a:rPr lang="he-IL" sz="3200" dirty="0" smtClean="0"/>
+              <a:t> </a:t>
+            </a:r>
+            <a:endParaRPr lang="en-US" sz="3200" dirty="0"/>
+          </a:p>
+        </p:txBody>
+      </p:sp>
+    </p:spTree>
+    <p:extLst>
+      <p:ext uri="{BB962C8B-B14F-4D97-AF65-F5344CB8AC3E}">
+        <p14:creationId xmlns:p14="http://schemas.microsoft.com/office/powerpoint/2010/main" val="3754453498"/>
+      </p:ext>
+    </p:extLst>
+  </p:cSld>
+  <p:clrMapOvr>
+    <a:masterClrMapping/>
+  </p:clrMapOvr>
+  <p:timing>
+    <p:tnLst>
+      <p:par>
+        <p:cTn id="1" dur="indefinite" restart="never" nodeType="tmRoot"/>
+      </p:par>
+    </p:tnLst>
+  </p:timing>
+</p:sld>
+</file>
+
+<file path=ppt/slides/slide4.xml><?xml version="1.0" encoding="utf-8"?>
+<p:sld xmlns:a="http://schemas.openxmlformats.org/drawingml/2006/main" xmlns:r="http://schemas.openxmlformats.org/officeDocument/2006/relationships" xmlns:p="http://schemas.openxmlformats.org/presentationml/2006/main">
+  <p:cSld>
+    <p:spTree>
+      <p:nvGrpSpPr>
+        <p:cNvPr id="1" name=""/>
+        <p:cNvGrpSpPr/>
+        <p:nvPr/>
+      </p:nvGrpSpPr>
+      <p:grpSpPr>
+        <a:xfrm>
+          <a:off x="0" y="0"/>
+          <a:ext cx="0" cy="0"/>
+          <a:chOff x="0" y="0"/>
+          <a:chExt cx="0" cy="0"/>
+        </a:xfrm>
+      </p:grpSpPr>
+      <p:sp>
+        <p:nvSpPr>
+          <p:cNvPr id="2" name="כותרת 1"/>
+          <p:cNvSpPr>
+            <a:spLocks noGrp="1"/>
+          </p:cNvSpPr>
+          <p:nvPr>
+            <p:ph type="title"/>
+          </p:nvPr>
+        </p:nvSpPr>
+        <p:spPr/>
+        <p:txBody>
+          <a:bodyPr/>
+          <a:lstStyle/>
+          <a:p>
+            <a:pPr algn="l"/>
+            <a:r>
+              <a:rPr lang="en-US" dirty="0"/>
+              <a:t>KML Viewer</a:t>
+            </a:r>
+            <a:endParaRPr lang="en-US" dirty="0"/>
+          </a:p>
+        </p:txBody>
+      </p:sp>
+      <p:pic>
+        <p:nvPicPr>
+          <p:cNvPr id="1027" name="Picture 3"/>
+          <p:cNvPicPr>
+            <a:picLocks noChangeAspect="1" noChangeArrowheads="1"/>
+          </p:cNvPicPr>
+          <p:nvPr/>
+        </p:nvPicPr>
+        <p:blipFill>
+          <a:blip r:embed="rId2">
+            <a:extLst>
+              <a:ext uri="{28A0092B-C50C-407E-A947-70E740481C1C}">
+                <a14:useLocalDpi xmlns:a14="http://schemas.microsoft.com/office/drawing/2010/main" val="0"/>
+              </a:ext>
+            </a:extLst>
+          </a:blip>
+          <a:srcRect/>
+          <a:stretch>
+            <a:fillRect/>
+          </a:stretch>
+        </p:blipFill>
+        <p:spPr bwMode="auto">
+          <a:xfrm>
+            <a:off x="540326" y="1704109"/>
+            <a:ext cx="9130147" cy="3707330"/>
+          </a:xfrm>
+          <a:prstGeom prst="rect">
+            <a:avLst/>
+          </a:prstGeom>
+          <a:noFill/>
+          <a:ln>
+            <a:noFill/>
+          </a:ln>
+          <a:effectLst/>
+          <a:extLst>
+            <a:ext uri="{909E8E84-426E-40DD-AFC4-6F175D3DCCD1}">
+              <a14:hiddenFill xmlns:a14="http://schemas.microsoft.com/office/drawing/2010/main">
+                <a:solidFill>
+                  <a:schemeClr val="accent1"/>
+                </a:solidFill>
+              </a14:hiddenFill>
+            </a:ext>
+            <a:ext uri="{91240B29-F687-4F45-9708-019B960494DF}">
+              <a14:hiddenLine xmlns:a14="http://schemas.microsoft.com/office/drawing/2010/main" w="9525">
+                <a:solidFill>
+                  <a:schemeClr val="tx1"/>
+                </a:solidFill>
+                <a:miter lim="800000"/>
+                <a:headEnd/>
+                <a:tailEnd/>
+              </a14:hiddenLine>
+            </a:ext>
+            <a:ext uri="{AF507438-7753-43E0-B8FC-AC1667EBCBE1}">
+              <a14:hiddenEffects xmlns:a14="http://schemas.microsoft.com/office/drawing/2010/main">
+                <a:effectLst>
+                  <a:outerShdw dist="35921" dir="2700000" algn="ctr" rotWithShape="0">
+                    <a:schemeClr val="bg2"/>
+                  </a:outerShdw>
+                </a:effectLst>
+              </a14:hiddenEffects>
+            </a:ext>
+          </a:extLst>
+        </p:spPr>
+      </p:pic>
+      <p:sp>
+        <p:nvSpPr>
+          <p:cNvPr id="7" name="TextBox 6"/>
+          <p:cNvSpPr txBox="1"/>
+          <p:nvPr/>
+        </p:nvSpPr>
+        <p:spPr>
+          <a:xfrm>
+            <a:off x="2479964" y="5929745"/>
+            <a:ext cx="5943599" cy="584775"/>
+          </a:xfrm>
+          <a:prstGeom prst="rect">
+            <a:avLst/>
+          </a:prstGeom>
+          <a:noFill/>
+        </p:spPr>
+        <p:txBody>
+          <a:bodyPr wrap="square" rtlCol="0">
+            <a:spAutoFit/>
+          </a:bodyPr>
+          <a:lstStyle/>
+          <a:p>
+            <a:r>
+              <a:rPr lang="en-US" sz="3200" dirty="0">
+                <a:hlinkClick r:id="rId3"/>
+              </a:rPr>
+              <a:t>http://ivanrublev.me/kml/</a:t>
+            </a:r>
+            <a:endParaRPr lang="en-US" sz="3200" dirty="0"/>
+          </a:p>
+        </p:txBody>
+      </p:sp>
+    </p:spTree>
+    <p:extLst>
+      <p:ext uri="{BB962C8B-B14F-4D97-AF65-F5344CB8AC3E}">
+        <p14:creationId xmlns:p14="http://schemas.microsoft.com/office/powerpoint/2010/main" val="2267430564"/>
+      </p:ext>
+    </p:extLst>
+  </p:cSld>
+  <p:clrMapOvr>
+    <a:masterClrMapping/>
+  </p:clrMapOvr>
+  <p:timing>
+    <p:tnLst>
+      <p:par>
+        <p:cTn id="1" dur="indefinite" restart="never" nodeType="tmRoot"/>
+      </p:par>
+    </p:tnLst>
+  </p:timing>
+</p:sld>
+</file>
+
+<file path=ppt/slides/slide5.xml><?xml version="1.0" encoding="utf-8"?>
+<p:sld xmlns:a="http://schemas.openxmlformats.org/drawingml/2006/main" xmlns:r="http://schemas.openxmlformats.org/officeDocument/2006/relationships" xmlns:p="http://schemas.openxmlformats.org/presentationml/2006/main">
+  <p:cSld>
+    <p:spTree>
+      <p:nvGrpSpPr>
+        <p:cNvPr id="1" name=""/>
+        <p:cNvGrpSpPr/>
+        <p:nvPr/>
+      </p:nvGrpSpPr>
+      <p:grpSpPr>
+        <a:xfrm>
+          <a:off x="0" y="0"/>
+          <a:ext cx="0" cy="0"/>
+          <a:chOff x="0" y="0"/>
+          <a:chExt cx="0" cy="0"/>
+        </a:xfrm>
+      </p:grpSpPr>
+      <p:sp>
+        <p:nvSpPr>
+          <p:cNvPr id="2" name="כותרת 1"/>
+          <p:cNvSpPr>
+            <a:spLocks noGrp="1"/>
+          </p:cNvSpPr>
+          <p:nvPr>
+            <p:ph type="title"/>
+          </p:nvPr>
+        </p:nvSpPr>
+        <p:spPr/>
+        <p:txBody>
+          <a:bodyPr/>
+          <a:lstStyle/>
+          <a:p>
+            <a:pPr algn="l" rtl="0"/>
+            <a:r>
+              <a:rPr lang="en-US" b="1" dirty="0"/>
+              <a:t>Google earth</a:t>
+            </a:r>
+            <a:endParaRPr lang="he-IL" b="1" dirty="0"/>
+          </a:p>
+        </p:txBody>
+      </p:sp>
+      <p:pic>
+        <p:nvPicPr>
+          <p:cNvPr id="1026" name="Picture 2" descr="http://screenshots.en.sftcdn.net/en/scrn/41000/41959/google-earth-15.jpg"/>
+          <p:cNvPicPr>
+            <a:picLocks noGrp="1" noChangeAspect="1" noChangeArrowheads="1"/>
+          </p:cNvPicPr>
+          <p:nvPr>
+            <p:ph idx="1"/>
+          </p:nvPr>
+        </p:nvPicPr>
+        <p:blipFill>
+          <a:blip r:embed="rId2">
+            <a:extLst>
+              <a:ext uri="{28A0092B-C50C-407E-A947-70E740481C1C}">
+                <a14:useLocalDpi xmlns:a14="http://schemas.microsoft.com/office/drawing/2010/main" val="0"/>
+              </a:ext>
+            </a:extLst>
+          </a:blip>
+          <a:srcRect/>
+          <a:stretch>
+            <a:fillRect/>
+          </a:stretch>
+        </p:blipFill>
+        <p:spPr bwMode="auto">
+          <a:xfrm>
+            <a:off x="68655" y="1672576"/>
+            <a:ext cx="5219317" cy="3623697"/>
+          </a:xfrm>
+          <a:prstGeom prst="rect">
+            <a:avLst/>
+          </a:prstGeom>
+          <a:noFill/>
+          <a:extLst>
+            <a:ext uri="{909E8E84-426E-40DD-AFC4-6F175D3DCCD1}">
+              <a14:hiddenFill xmlns:a14="http://schemas.microsoft.com/office/drawing/2010/main">
+                <a:solidFill>
+                  <a:srgbClr val="FFFFFF"/>
+                </a:solidFill>
+              </a14:hiddenFill>
+            </a:ext>
+          </a:extLst>
+        </p:spPr>
+      </p:pic>
+      <p:sp>
+        <p:nvSpPr>
+          <p:cNvPr id="5" name="TextBox 4"/>
+          <p:cNvSpPr txBox="1"/>
+          <p:nvPr/>
+        </p:nvSpPr>
+        <p:spPr>
+          <a:xfrm>
+            <a:off x="5488778" y="1672576"/>
+            <a:ext cx="6337425" cy="4031873"/>
+          </a:xfrm>
+          <a:prstGeom prst="rect">
+            <a:avLst/>
+          </a:prstGeom>
+          <a:noFill/>
+        </p:spPr>
+        <p:txBody>
+          <a:bodyPr wrap="square" rtlCol="1">
+            <a:spAutoFit/>
+          </a:bodyPr>
+          <a:lstStyle/>
+          <a:p>
+            <a:pPr algn="just"/>
+            <a:r>
+              <a:rPr lang="he-IL" sz="1600" dirty="0">
+                <a:latin typeface="Tahoma" panose="020B0604030504040204" pitchFamily="34" charset="0"/>
+                <a:ea typeface="Tahoma" panose="020B0604030504040204" pitchFamily="34" charset="0"/>
+                <a:cs typeface="Tahoma" panose="020B0604030504040204" pitchFamily="34" charset="0"/>
+              </a:rPr>
+              <a:t>תוכנה מבית היוצר של חברת גוגל. התוכנה מאפשרת להביט בתצלומי </a:t>
+            </a:r>
+            <a:r>
+              <a:rPr lang="he-IL" sz="1600" dirty="0" err="1">
+                <a:latin typeface="Tahoma" panose="020B0604030504040204" pitchFamily="34" charset="0"/>
+                <a:ea typeface="Tahoma" panose="020B0604030504040204" pitchFamily="34" charset="0"/>
+                <a:cs typeface="Tahoma" panose="020B0604030504040204" pitchFamily="34" charset="0"/>
+              </a:rPr>
+              <a:t>לווין</a:t>
+            </a:r>
+            <a:r>
+              <a:rPr lang="he-IL" sz="1600" dirty="0">
+                <a:latin typeface="Tahoma" panose="020B0604030504040204" pitchFamily="34" charset="0"/>
+                <a:ea typeface="Tahoma" panose="020B0604030504040204" pitchFamily="34" charset="0"/>
+                <a:cs typeface="Tahoma" panose="020B0604030504040204" pitchFamily="34" charset="0"/>
+              </a:rPr>
+              <a:t> של כדור הארץ ברזולוציית צילום גבוהה ביותר .</a:t>
+            </a:r>
+          </a:p>
+          <a:p>
+            <a:pPr algn="just"/>
+            <a:r>
+              <a:rPr lang="en-US" sz="1600" dirty="0">
+                <a:latin typeface="Tahoma" panose="020B0604030504040204" pitchFamily="34" charset="0"/>
+                <a:ea typeface="Tahoma" panose="020B0604030504040204" pitchFamily="34" charset="0"/>
+                <a:cs typeface="Tahoma" panose="020B0604030504040204" pitchFamily="34" charset="0"/>
+              </a:rPr>
+              <a:t> Google Earth </a:t>
+            </a:r>
+            <a:r>
+              <a:rPr lang="he-IL" sz="1600" dirty="0">
+                <a:latin typeface="Tahoma" panose="020B0604030504040204" pitchFamily="34" charset="0"/>
+                <a:ea typeface="Tahoma" panose="020B0604030504040204" pitchFamily="34" charset="0"/>
+                <a:cs typeface="Tahoma" panose="020B0604030504040204" pitchFamily="34" charset="0"/>
+              </a:rPr>
+              <a:t>הוא תצלום לוויין דינמי ואינטראקטיבי המייצג מידע גאוגרפי רב-</a:t>
+            </a:r>
+            <a:r>
+              <a:rPr lang="he-IL" sz="1600" dirty="0" err="1">
+                <a:latin typeface="Tahoma" panose="020B0604030504040204" pitchFamily="34" charset="0"/>
+                <a:ea typeface="Tahoma" panose="020B0604030504040204" pitchFamily="34" charset="0"/>
+                <a:cs typeface="Tahoma" panose="020B0604030504040204" pitchFamily="34" charset="0"/>
+              </a:rPr>
+              <a:t>מימדי</a:t>
+            </a:r>
+            <a:r>
+              <a:rPr lang="en-US" sz="1600" dirty="0">
+                <a:latin typeface="Tahoma" panose="020B0604030504040204" pitchFamily="34" charset="0"/>
+                <a:ea typeface="Tahoma" panose="020B0604030504040204" pitchFamily="34" charset="0"/>
+                <a:cs typeface="Tahoma" panose="020B0604030504040204" pitchFamily="34" charset="0"/>
+              </a:rPr>
+              <a:t> </a:t>
+            </a:r>
+            <a:r>
+              <a:rPr lang="he-IL" sz="1600" dirty="0">
+                <a:latin typeface="Tahoma" panose="020B0604030504040204" pitchFamily="34" charset="0"/>
+                <a:ea typeface="Tahoma" panose="020B0604030504040204" pitchFamily="34" charset="0"/>
+                <a:cs typeface="Tahoma" panose="020B0604030504040204" pitchFamily="34" charset="0"/>
+              </a:rPr>
+              <a:t>שמאפשר חיפוש מקומות על פני כדור הארץ, הוספת מידע וקישור לקהילות משתמשים שונות. בנוסף, כל משתמש יכול לבנות דגמים תלת-</a:t>
+            </a:r>
+            <a:r>
+              <a:rPr lang="he-IL" sz="1600" dirty="0" err="1">
+                <a:latin typeface="Tahoma" panose="020B0604030504040204" pitchFamily="34" charset="0"/>
+                <a:ea typeface="Tahoma" panose="020B0604030504040204" pitchFamily="34" charset="0"/>
+                <a:cs typeface="Tahoma" panose="020B0604030504040204" pitchFamily="34" charset="0"/>
+              </a:rPr>
+              <a:t>מימדיים</a:t>
+            </a:r>
+            <a:r>
+              <a:rPr lang="he-IL" sz="1600" dirty="0">
+                <a:latin typeface="Tahoma" panose="020B0604030504040204" pitchFamily="34" charset="0"/>
+                <a:ea typeface="Tahoma" panose="020B0604030504040204" pitchFamily="34" charset="0"/>
+                <a:cs typeface="Tahoma" panose="020B0604030504040204" pitchFamily="34" charset="0"/>
+              </a:rPr>
+              <a:t> של בתים ובניינים, החל מביתו הפרטי ועד לגורדי שחקים ב-</a:t>
+            </a:r>
+            <a:r>
+              <a:rPr lang="en-US" sz="1600" dirty="0">
+                <a:latin typeface="Tahoma" panose="020B0604030504040204" pitchFamily="34" charset="0"/>
+                <a:ea typeface="Tahoma" panose="020B0604030504040204" pitchFamily="34" charset="0"/>
+                <a:cs typeface="Tahoma" panose="020B0604030504040204" pitchFamily="34" charset="0"/>
+              </a:rPr>
+              <a:t>Google </a:t>
+            </a:r>
+            <a:r>
+              <a:rPr lang="en-US" sz="1600" dirty="0" err="1">
+                <a:latin typeface="Tahoma" panose="020B0604030504040204" pitchFamily="34" charset="0"/>
+                <a:ea typeface="Tahoma" panose="020B0604030504040204" pitchFamily="34" charset="0"/>
+                <a:cs typeface="Tahoma" panose="020B0604030504040204" pitchFamily="34" charset="0"/>
+              </a:rPr>
+              <a:t>SketchUp</a:t>
+            </a:r>
+            <a:r>
+              <a:rPr lang="he-IL" sz="1600" dirty="0">
+                <a:latin typeface="Tahoma" panose="020B0604030504040204" pitchFamily="34" charset="0"/>
+                <a:ea typeface="Tahoma" panose="020B0604030504040204" pitchFamily="34" charset="0"/>
+                <a:cs typeface="Tahoma" panose="020B0604030504040204" pitchFamily="34" charset="0"/>
+              </a:rPr>
+              <a:t> ואחר כך לחזור ולשתול אותם במיקומם המדויק על פני כדור הארץ בתוכנה או לחלופין לבחור לאחסן, לשתף אחרים ביצירתו או לחפש יצירות של אחרים ב-</a:t>
+            </a:r>
+            <a:r>
+              <a:rPr lang="en-US" sz="1600" dirty="0">
+                <a:latin typeface="Tahoma" panose="020B0604030504040204" pitchFamily="34" charset="0"/>
+                <a:ea typeface="Tahoma" panose="020B0604030504040204" pitchFamily="34" charset="0"/>
+                <a:cs typeface="Tahoma" panose="020B0604030504040204" pitchFamily="34" charset="0"/>
+              </a:rPr>
+              <a:t> D Warehouse.3</a:t>
+            </a:r>
+          </a:p>
+          <a:p>
+            <a:pPr algn="just"/>
+            <a:r>
+              <a:rPr lang="he-IL" sz="1600" dirty="0">
+                <a:latin typeface="Tahoma" panose="020B0604030504040204" pitchFamily="34" charset="0"/>
+                <a:ea typeface="Tahoma" panose="020B0604030504040204" pitchFamily="34" charset="0"/>
+                <a:cs typeface="Tahoma" panose="020B0604030504040204" pitchFamily="34" charset="0"/>
+              </a:rPr>
+              <a:t>בנוסף לצפייה בפני השטח של כדור הארץ מאפשרת התוכנה גם צפייה מתחת למים; בנוסף, </a:t>
+            </a:r>
+            <a:r>
+              <a:rPr lang="en-US" sz="1600" dirty="0">
+                <a:latin typeface="Tahoma" panose="020B0604030504040204" pitchFamily="34" charset="0"/>
+                <a:ea typeface="Tahoma" panose="020B0604030504040204" pitchFamily="34" charset="0"/>
+                <a:cs typeface="Tahoma" panose="020B0604030504040204" pitchFamily="34" charset="0"/>
+              </a:rPr>
+              <a:t>Google Mars </a:t>
+            </a:r>
+            <a:r>
+              <a:rPr lang="he-IL" sz="1600" dirty="0">
+                <a:latin typeface="Tahoma" panose="020B0604030504040204" pitchFamily="34" charset="0"/>
+                <a:ea typeface="Tahoma" panose="020B0604030504040204" pitchFamily="34" charset="0"/>
+                <a:cs typeface="Tahoma" panose="020B0604030504040204" pitchFamily="34" charset="0"/>
+              </a:rPr>
+              <a:t> מאפשר צפייה בחלל החיצון; </a:t>
+            </a:r>
+            <a:r>
+              <a:rPr lang="en-US" sz="1600" dirty="0">
+                <a:latin typeface="Tahoma" panose="020B0604030504040204" pitchFamily="34" charset="0"/>
+                <a:ea typeface="Tahoma" panose="020B0604030504040204" pitchFamily="34" charset="0"/>
+                <a:cs typeface="Tahoma" panose="020B0604030504040204" pitchFamily="34" charset="0"/>
+              </a:rPr>
+              <a:t>  Google Mars</a:t>
+            </a:r>
+            <a:r>
+              <a:rPr lang="he-IL" sz="1600" dirty="0">
+                <a:latin typeface="Tahoma" panose="020B0604030504040204" pitchFamily="34" charset="0"/>
+                <a:ea typeface="Tahoma" panose="020B0604030504040204" pitchFamily="34" charset="0"/>
+                <a:cs typeface="Tahoma" panose="020B0604030504040204" pitchFamily="34" charset="0"/>
+              </a:rPr>
+              <a:t>מאפשר צפייה במאדים; </a:t>
+            </a:r>
+            <a:r>
+              <a:rPr lang="en-US" sz="1600" dirty="0">
+                <a:latin typeface="Tahoma" panose="020B0604030504040204" pitchFamily="34" charset="0"/>
+                <a:ea typeface="Tahoma" panose="020B0604030504040204" pitchFamily="34" charset="0"/>
+                <a:cs typeface="Tahoma" panose="020B0604030504040204" pitchFamily="34" charset="0"/>
+              </a:rPr>
+              <a:t>Google Moon </a:t>
+            </a:r>
+            <a:r>
+              <a:rPr lang="he-IL" sz="1600" dirty="0">
+                <a:latin typeface="Tahoma" panose="020B0604030504040204" pitchFamily="34" charset="0"/>
+                <a:ea typeface="Tahoma" panose="020B0604030504040204" pitchFamily="34" charset="0"/>
+                <a:cs typeface="Tahoma" panose="020B0604030504040204" pitchFamily="34" charset="0"/>
+              </a:rPr>
+              <a:t> מאפשר צפייה בירח ו-</a:t>
+            </a:r>
+            <a:r>
+              <a:rPr lang="en-US" sz="1600" dirty="0">
+                <a:latin typeface="Tahoma" panose="020B0604030504040204" pitchFamily="34" charset="0"/>
+                <a:ea typeface="Tahoma" panose="020B0604030504040204" pitchFamily="34" charset="0"/>
+                <a:cs typeface="Tahoma" panose="020B0604030504040204" pitchFamily="34" charset="0"/>
+              </a:rPr>
+              <a:t> Google Street View </a:t>
+            </a:r>
+            <a:r>
+              <a:rPr lang="he-IL" sz="1600" dirty="0">
+                <a:latin typeface="Tahoma" panose="020B0604030504040204" pitchFamily="34" charset="0"/>
+                <a:ea typeface="Tahoma" panose="020B0604030504040204" pitchFamily="34" charset="0"/>
+                <a:cs typeface="Tahoma" panose="020B0604030504040204" pitchFamily="34" charset="0"/>
+              </a:rPr>
+              <a:t>מאפשר צפייה ממבט רחוב על מספר רב של מדינות בעולם (בעיקר באירופה).</a:t>
+            </a:r>
+          </a:p>
+          <a:p>
+            <a:pPr algn="just"/>
+            <a:r>
+              <a:rPr lang="he-IL" sz="1600" dirty="0">
+                <a:latin typeface="Tahoma" panose="020B0604030504040204" pitchFamily="34" charset="0"/>
+                <a:ea typeface="Tahoma" panose="020B0604030504040204" pitchFamily="34" charset="0"/>
+                <a:cs typeface="Tahoma" panose="020B0604030504040204" pitchFamily="34" charset="0"/>
+              </a:rPr>
+              <a:t>בנוסף, טעינת קבצי </a:t>
+            </a:r>
+            <a:r>
+              <a:rPr lang="en-US" sz="1600" dirty="0">
+                <a:latin typeface="Tahoma" panose="020B0604030504040204" pitchFamily="34" charset="0"/>
+                <a:ea typeface="Tahoma" panose="020B0604030504040204" pitchFamily="34" charset="0"/>
+                <a:cs typeface="Tahoma" panose="020B0604030504040204" pitchFamily="34" charset="0"/>
+              </a:rPr>
+              <a:t>NMEA</a:t>
+            </a:r>
+            <a:r>
+              <a:rPr lang="he-IL" sz="1600" dirty="0">
+                <a:latin typeface="Tahoma" panose="020B0604030504040204" pitchFamily="34" charset="0"/>
+                <a:ea typeface="Tahoma" panose="020B0604030504040204" pitchFamily="34" charset="0"/>
+                <a:cs typeface="Tahoma" panose="020B0604030504040204" pitchFamily="34" charset="0"/>
+              </a:rPr>
+              <a:t> והצגתם בצורה ויזואלית. </a:t>
+            </a:r>
+          </a:p>
+        </p:txBody>
+      </p:sp>
+      <p:sp>
+        <p:nvSpPr>
+          <p:cNvPr id="3" name="TextBox 2">
+            <a:hlinkClick r:id="rId3"/>
+          </p:cNvPr>
+          <p:cNvSpPr txBox="1"/>
+          <p:nvPr/>
+        </p:nvSpPr>
+        <p:spPr>
+          <a:xfrm>
+            <a:off x="2576946" y="5969867"/>
+            <a:ext cx="6262254" cy="584775"/>
+          </a:xfrm>
+          <a:prstGeom prst="rect">
+            <a:avLst/>
+          </a:prstGeom>
+          <a:noFill/>
+        </p:spPr>
+        <p:txBody>
+          <a:bodyPr wrap="square" rtlCol="0">
+            <a:spAutoFit/>
+          </a:bodyPr>
+          <a:lstStyle/>
+          <a:p>
+            <a:r>
+              <a:rPr lang="en-US" sz="3200" dirty="0">
+                <a:hlinkClick r:id="rId3"/>
+              </a:rPr>
+              <a:t>https://www.google.com/earth/</a:t>
+            </a:r>
+            <a:endParaRPr lang="en-US" sz="3200" dirty="0"/>
+          </a:p>
+        </p:txBody>
+      </p:sp>
+    </p:spTree>
+    <p:extLst>
+      <p:ext uri="{BB962C8B-B14F-4D97-AF65-F5344CB8AC3E}">
+        <p14:creationId xmlns:p14="http://schemas.microsoft.com/office/powerpoint/2010/main" val="1720784008"/>
+      </p:ext>
+    </p:extLst>
+  </p:cSld>
+  <p:clrMapOvr>
+    <a:masterClrMapping/>
+  </p:clrMapOvr>
+  <p:timing>
+    <p:tnLst>
+      <p:par>
+        <p:cTn id="1" dur="indefinite" restart="never" nodeType="tmRoot"/>
+      </p:par>
+    </p:tnLst>
+  </p:timing>
+</p:sld>
+</file>
+
+<file path=ppt/slides/slide6.xml><?xml version="1.0" encoding="utf-8"?>
+<p:sld xmlns:a="http://schemas.openxmlformats.org/drawingml/2006/main" xmlns:r="http://schemas.openxmlformats.org/officeDocument/2006/relationships" xmlns:p="http://schemas.openxmlformats.org/presentationml/2006/main">
+  <p:cSld>
+    <p:spTree>
+      <p:nvGrpSpPr>
+        <p:cNvPr id="1" name=""/>
+        <p:cNvGrpSpPr/>
+        <p:nvPr/>
+      </p:nvGrpSpPr>
+      <p:grpSpPr>
+        <a:xfrm>
+          <a:off x="0" y="0"/>
+          <a:ext cx="0" cy="0"/>
+          <a:chOff x="0" y="0"/>
+          <a:chExt cx="0" cy="0"/>
+        </a:xfrm>
+      </p:grpSpPr>
+      <p:sp>
+        <p:nvSpPr>
+          <p:cNvPr id="2" name="כותרת 1"/>
+          <p:cNvSpPr>
+            <a:spLocks noGrp="1"/>
+          </p:cNvSpPr>
+          <p:nvPr>
+            <p:ph type="title"/>
+          </p:nvPr>
+        </p:nvSpPr>
+        <p:spPr>
+          <a:xfrm>
+            <a:off x="212436" y="979054"/>
+            <a:ext cx="4036290" cy="240146"/>
+          </a:xfrm>
+        </p:spPr>
+        <p:txBody>
+          <a:bodyPr>
+            <a:normAutofit fontScale="90000"/>
+          </a:bodyPr>
+          <a:lstStyle/>
+          <a:p>
+            <a:r>
+              <a:rPr lang="en-US" b="1" dirty="0"/>
+              <a:t>VisualGPSView</a:t>
+            </a:r>
+            <a:br>
+              <a:rPr lang="en-US" b="1" dirty="0"/>
+            </a:br>
+            <a:r>
+              <a:rPr lang="en-US" b="1" dirty="0"/>
+              <a:t/>
+            </a:r>
+            <a:br>
+              <a:rPr lang="en-US" b="1" dirty="0"/>
+            </a:br>
+            <a:endParaRPr lang="he-IL" dirty="0"/>
+          </a:p>
+        </p:txBody>
+      </p:sp>
+      <p:pic>
+        <p:nvPicPr>
+          <p:cNvPr id="4" name="Content Placeholder 3"/>
+          <p:cNvPicPr>
+            <a:picLocks noGrp="1" noChangeAspect="1"/>
+          </p:cNvPicPr>
+          <p:nvPr>
+            <p:ph idx="1"/>
+          </p:nvPr>
+        </p:nvPicPr>
+        <p:blipFill>
+          <a:blip r:embed="rId2">
+            <a:extLst>
+              <a:ext uri="{28A0092B-C50C-407E-A947-70E740481C1C}">
+                <a14:useLocalDpi xmlns:a14="http://schemas.microsoft.com/office/drawing/2010/main" val="0"/>
+              </a:ext>
+            </a:extLst>
+          </a:blip>
+          <a:stretch>
+            <a:fillRect/>
+          </a:stretch>
+        </p:blipFill>
+        <p:spPr>
+          <a:xfrm>
+            <a:off x="142646" y="979054"/>
+            <a:ext cx="5361859" cy="4351338"/>
+          </a:xfrm>
+        </p:spPr>
+      </p:pic>
+      <p:sp>
+        <p:nvSpPr>
+          <p:cNvPr id="6" name="TextBox 5"/>
+          <p:cNvSpPr txBox="1"/>
+          <p:nvPr/>
+        </p:nvSpPr>
+        <p:spPr>
+          <a:xfrm>
+            <a:off x="5781963" y="979055"/>
+            <a:ext cx="5938981" cy="4678204"/>
+          </a:xfrm>
+          <a:prstGeom prst="rect">
+            <a:avLst/>
+          </a:prstGeom>
+          <a:noFill/>
+        </p:spPr>
+        <p:txBody>
+          <a:bodyPr wrap="square" rtlCol="1">
+            <a:spAutoFit/>
+          </a:bodyPr>
+          <a:lstStyle/>
+          <a:p>
+            <a:pPr algn="l"/>
+            <a:r>
+              <a:rPr lang="en-US" sz="1400" dirty="0">
+                <a:latin typeface="Tahoma" panose="020B0604030504040204" pitchFamily="34" charset="0"/>
+                <a:ea typeface="Tahoma" panose="020B0604030504040204" pitchFamily="34" charset="0"/>
+                <a:cs typeface="Tahoma" panose="020B0604030504040204" pitchFamily="34" charset="0"/>
+              </a:rPr>
+              <a:t>VisualGPSView (Freeware) incorporates many advanced features found in professional programs.  Its sole purpose is to display graphically specific NMEA 0183 sentences.</a:t>
+            </a:r>
+          </a:p>
+          <a:p>
+            <a:pPr algn="l"/>
+            <a:r>
+              <a:rPr lang="en-US" sz="1400" dirty="0">
+                <a:latin typeface="Tahoma" panose="020B0604030504040204" pitchFamily="34" charset="0"/>
+                <a:ea typeface="Tahoma" panose="020B0604030504040204" pitchFamily="34" charset="0"/>
+                <a:cs typeface="Tahoma" panose="020B0604030504040204" pitchFamily="34" charset="0"/>
+              </a:rPr>
+              <a:t>Features:</a:t>
+            </a:r>
+          </a:p>
+          <a:p>
+            <a:pPr algn="l"/>
+            <a:r>
+              <a:rPr lang="en-US" sz="1400" b="1" dirty="0">
+                <a:latin typeface="Tahoma" panose="020B0604030504040204" pitchFamily="34" charset="0"/>
+                <a:ea typeface="Tahoma" panose="020B0604030504040204" pitchFamily="34" charset="0"/>
+                <a:cs typeface="Tahoma" panose="020B0604030504040204" pitchFamily="34" charset="0"/>
+              </a:rPr>
+              <a:t>NMEA/GLONASS</a:t>
+            </a:r>
+            <a:r>
+              <a:rPr lang="en-US" sz="1400" dirty="0">
+                <a:latin typeface="Tahoma" panose="020B0604030504040204" pitchFamily="34" charset="0"/>
+                <a:ea typeface="Tahoma" panose="020B0604030504040204" pitchFamily="34" charset="0"/>
+                <a:cs typeface="Tahoma" panose="020B0604030504040204" pitchFamily="34" charset="0"/>
+              </a:rPr>
+              <a:t> - Supports GPS NMEA and GLONASS NMEA</a:t>
+            </a:r>
+          </a:p>
+          <a:p>
+            <a:pPr algn="l"/>
+            <a:r>
+              <a:rPr lang="en-US" sz="1400" b="1" dirty="0">
+                <a:latin typeface="Tahoma" panose="020B0604030504040204" pitchFamily="34" charset="0"/>
+                <a:ea typeface="Tahoma" panose="020B0604030504040204" pitchFamily="34" charset="0"/>
+                <a:cs typeface="Tahoma" panose="020B0604030504040204" pitchFamily="34" charset="0"/>
+              </a:rPr>
+              <a:t>Azimuth and Elevation Plot</a:t>
+            </a:r>
+            <a:r>
+              <a:rPr lang="en-US" sz="1400" dirty="0">
+                <a:latin typeface="Tahoma" panose="020B0604030504040204" pitchFamily="34" charset="0"/>
+                <a:ea typeface="Tahoma" panose="020B0604030504040204" pitchFamily="34" charset="0"/>
+                <a:cs typeface="Tahoma" panose="020B0604030504040204" pitchFamily="34" charset="0"/>
+              </a:rPr>
+              <a:t> - View all satellites that are in view. Each satellite identifies its pseudo random number (PRN) and its azimuth and elevation.</a:t>
+            </a:r>
+          </a:p>
+          <a:p>
+            <a:pPr algn="l"/>
+            <a:r>
+              <a:rPr lang="en-US" sz="1400" b="1" dirty="0">
+                <a:latin typeface="Tahoma" panose="020B0604030504040204" pitchFamily="34" charset="0"/>
+                <a:ea typeface="Tahoma" panose="020B0604030504040204" pitchFamily="34" charset="0"/>
+                <a:cs typeface="Tahoma" panose="020B0604030504040204" pitchFamily="34" charset="0"/>
+              </a:rPr>
+              <a:t>Scatter Plot</a:t>
+            </a:r>
+            <a:r>
+              <a:rPr lang="en-US" sz="1400" dirty="0">
+                <a:latin typeface="Tahoma" panose="020B0604030504040204" pitchFamily="34" charset="0"/>
+                <a:ea typeface="Tahoma" panose="020B0604030504040204" pitchFamily="34" charset="0"/>
+                <a:cs typeface="Tahoma" panose="020B0604030504040204" pitchFamily="34" charset="0"/>
+              </a:rPr>
+              <a:t> - The scatter plot shows individual position samples referenced to several type of reference types, next sample, average or user defined.</a:t>
+            </a:r>
+          </a:p>
+          <a:p>
+            <a:pPr algn="l"/>
+            <a:r>
+              <a:rPr lang="en-US" sz="1400" b="1" dirty="0">
+                <a:latin typeface="Tahoma" panose="020B0604030504040204" pitchFamily="34" charset="0"/>
+                <a:ea typeface="Tahoma" panose="020B0604030504040204" pitchFamily="34" charset="0"/>
+                <a:cs typeface="Tahoma" panose="020B0604030504040204" pitchFamily="34" charset="0"/>
+              </a:rPr>
+              <a:t>Signal Quality/SNR Window</a:t>
+            </a:r>
+            <a:r>
+              <a:rPr lang="en-US" sz="1400" dirty="0">
+                <a:latin typeface="Tahoma" panose="020B0604030504040204" pitchFamily="34" charset="0"/>
+                <a:ea typeface="Tahoma" panose="020B0604030504040204" pitchFamily="34" charset="0"/>
+                <a:cs typeface="Tahoma" panose="020B0604030504040204" pitchFamily="34" charset="0"/>
+              </a:rPr>
+              <a:t> - Monitor satellite signal to noise ratios and see them graphically on the screen. The signal quality window will grow or shrink to accommodate number of satellites in view</a:t>
+            </a:r>
+          </a:p>
+          <a:p>
+            <a:pPr algn="l"/>
+            <a:r>
+              <a:rPr lang="en-US" sz="1400" b="1" dirty="0">
+                <a:latin typeface="Tahoma" panose="020B0604030504040204" pitchFamily="34" charset="0"/>
+                <a:ea typeface="Tahoma" panose="020B0604030504040204" pitchFamily="34" charset="0"/>
+                <a:cs typeface="Tahoma" panose="020B0604030504040204" pitchFamily="34" charset="0"/>
+              </a:rPr>
+              <a:t>Position Plot</a:t>
+            </a:r>
+            <a:r>
+              <a:rPr lang="en-US" sz="1400" dirty="0">
+                <a:latin typeface="Tahoma" panose="020B0604030504040204" pitchFamily="34" charset="0"/>
+                <a:ea typeface="Tahoma" panose="020B0604030504040204" pitchFamily="34" charset="0"/>
+                <a:cs typeface="Tahoma" panose="020B0604030504040204" pitchFamily="34" charset="0"/>
+              </a:rPr>
+              <a:t> - Monitor latitude, longitude and altitude averages.</a:t>
+            </a:r>
+          </a:p>
+          <a:p>
+            <a:pPr algn="l"/>
+            <a:r>
+              <a:rPr lang="en-US" sz="1400" b="1" dirty="0">
+                <a:latin typeface="Tahoma" panose="020B0604030504040204" pitchFamily="34" charset="0"/>
+                <a:ea typeface="Tahoma" panose="020B0604030504040204" pitchFamily="34" charset="0"/>
+                <a:cs typeface="Tahoma" panose="020B0604030504040204" pitchFamily="34" charset="0"/>
+              </a:rPr>
+              <a:t>NMEA Command Monitor</a:t>
+            </a:r>
+            <a:r>
+              <a:rPr lang="en-US" sz="1400" dirty="0">
+                <a:latin typeface="Tahoma" panose="020B0604030504040204" pitchFamily="34" charset="0"/>
+                <a:ea typeface="Tahoma" panose="020B0604030504040204" pitchFamily="34" charset="0"/>
+                <a:cs typeface="Tahoma" panose="020B0604030504040204" pitchFamily="34" charset="0"/>
+              </a:rPr>
+              <a:t> - View NMEA sentences as they are received</a:t>
+            </a:r>
+          </a:p>
+          <a:p>
+            <a:pPr algn="l"/>
+            <a:r>
+              <a:rPr lang="en-US" sz="1400" b="1" dirty="0">
+                <a:latin typeface="Tahoma" panose="020B0604030504040204" pitchFamily="34" charset="0"/>
+                <a:ea typeface="Tahoma" panose="020B0604030504040204" pitchFamily="34" charset="0"/>
+                <a:cs typeface="Tahoma" panose="020B0604030504040204" pitchFamily="34" charset="0"/>
+              </a:rPr>
+              <a:t>NMEA Recording and Playback</a:t>
+            </a:r>
+            <a:r>
+              <a:rPr lang="en-US" sz="1400" dirty="0">
+                <a:latin typeface="Tahoma" panose="020B0604030504040204" pitchFamily="34" charset="0"/>
+                <a:ea typeface="Tahoma" panose="020B0604030504040204" pitchFamily="34" charset="0"/>
+                <a:cs typeface="Tahoma" panose="020B0604030504040204" pitchFamily="34" charset="0"/>
+              </a:rPr>
+              <a:t> - Record NMEA directly to a file or read NMEA from a file. NMEA files consists of standard NMEA sentences in text ASCII characters.</a:t>
+            </a:r>
+          </a:p>
+          <a:p>
+            <a:pPr algn="l"/>
+            <a:endParaRPr lang="he-IL" dirty="0"/>
+          </a:p>
+        </p:txBody>
+      </p:sp>
+      <p:sp>
+        <p:nvSpPr>
+          <p:cNvPr id="3" name="TextBox 2"/>
+          <p:cNvSpPr txBox="1"/>
+          <p:nvPr/>
+        </p:nvSpPr>
+        <p:spPr>
+          <a:xfrm>
+            <a:off x="3020292" y="5971309"/>
+            <a:ext cx="6982690" cy="523220"/>
+          </a:xfrm>
+          <a:prstGeom prst="rect">
+            <a:avLst/>
+          </a:prstGeom>
+          <a:noFill/>
+        </p:spPr>
+        <p:txBody>
+          <a:bodyPr wrap="square" rtlCol="0">
+            <a:spAutoFit/>
+          </a:bodyPr>
+          <a:lstStyle/>
+          <a:p>
+            <a:r>
+              <a:rPr lang="en-US" sz="2800" dirty="0">
+                <a:hlinkClick r:id="rId3"/>
+              </a:rPr>
+              <a:t>http://www.visualgps.net/VisualGPSView/</a:t>
+            </a:r>
+            <a:endParaRPr lang="en-US" sz="2800" dirty="0"/>
+          </a:p>
+        </p:txBody>
+      </p:sp>
+    </p:spTree>
+    <p:extLst>
+      <p:ext uri="{BB962C8B-B14F-4D97-AF65-F5344CB8AC3E}">
+        <p14:creationId xmlns:p14="http://schemas.microsoft.com/office/powerpoint/2010/main" val="4102023419"/>
+      </p:ext>
+    </p:extLst>
+  </p:cSld>
+  <p:clrMapOvr>
+    <a:masterClrMapping/>
+  </p:clrMapOvr>
+  <p:timing>
+    <p:tnLst>
+      <p:par>
+        <p:cTn id="1" dur="indefinite" restart="never" nodeType="tmRoot"/>
+      </p:par>
+    </p:tnLst>
+  </p:timing>
 </p:sld>
 </file>
 
@@ -4254,8 +5142,293 @@
   <a:extraClrSchemeLst/>
   <a:extLst>
     <a:ext uri="{05A4C25C-085E-4340-85A3-A5531E510DB2}">
-      <thm15:themeFamily xmlns:thm15="http://schemas.microsoft.com/office/thememl/2012/main" name="Office Theme" id="{62F939B6-93AF-4DB8-9C6B-D6C7DFDC589F}" vid="{4A3C46E8-61CC-4603-A589-7422A47A8E4A}"/>
+      <thm15:themeFamily xmlns="" xmlns:thm15="http://schemas.microsoft.com/office/thememl/2012/main" name="Office Theme" id="{62F939B6-93AF-4DB8-9C6B-D6C7DFDC589F}" vid="{4A3C46E8-61CC-4603-A589-7422A47A8E4A}"/>
     </a:ext>
   </a:extLst>
 </a:theme>
+</file>
+
+<file path=ppt/theme/theme2.xml><?xml version="1.0" encoding="utf-8"?>
+<a:theme xmlns:a="http://schemas.openxmlformats.org/drawingml/2006/main" name="ערכת נושא Office">
+  <a:themeElements>
+    <a:clrScheme name="Office">
+      <a:dk1>
+        <a:sysClr val="windowText" lastClr="000000"/>
+      </a:dk1>
+      <a:lt1>
+        <a:sysClr val="window" lastClr="FFFFFF"/>
+      </a:lt1>
+      <a:dk2>
+        <a:srgbClr val="1F497D"/>
+      </a:dk2>
+      <a:lt2>
+        <a:srgbClr val="EEECE1"/>
+      </a:lt2>
+      <a:accent1>
+        <a:srgbClr val="4F81BD"/>
+      </a:accent1>
+      <a:accent2>
+        <a:srgbClr val="C0504D"/>
+      </a:accent2>
+      <a:accent3>
+        <a:srgbClr val="9BBB59"/>
+      </a:accent3>
+      <a:accent4>
+        <a:srgbClr val="8064A2"/>
+      </a:accent4>
+      <a:accent5>
+        <a:srgbClr val="4BACC6"/>
+      </a:accent5>
+      <a:accent6>
+        <a:srgbClr val="F79646"/>
+      </a:accent6>
+      <a:hlink>
+        <a:srgbClr val="0000FF"/>
+      </a:hlink>
+      <a:folHlink>
+        <a:srgbClr val="800080"/>
+      </a:folHlink>
+    </a:clrScheme>
+    <a:fontScheme name="Office">
+      <a:majorFont>
+        <a:latin typeface="Calibri"/>
+        <a:ea typeface=""/>
+        <a:cs typeface=""/>
+        <a:font script="Jpan" typeface="ＭＳ Ｐゴシック"/>
+        <a:font script="Hang" typeface="맑은 고딕"/>
+        <a:font script="Hans" typeface="宋体"/>
+        <a:font script="Hant" typeface="新細明體"/>
+        <a:font script="Arab" typeface="Times New Roman"/>
+        <a:font script="Hebr" typeface="Times New Roman"/>
+        <a:font script="Thai" typeface="Angsana New"/>
+        <a:font script="Ethi" typeface="Nyala"/>
+        <a:font script="Beng" typeface="Vrinda"/>
+        <a:font script="Gujr" typeface="Shruti"/>
+        <a:font script="Khmr" typeface="MoolBoran"/>
+        <a:font script="Knda" typeface="Tunga"/>
+        <a:font script="Guru" typeface="Raavi"/>
+        <a:font script="Cans" typeface="Euphemia"/>
+        <a:font script="Cher" typeface="Plantagenet Cherokee"/>
+        <a:font script="Yiii" typeface="Microsoft Yi Baiti"/>
+        <a:font script="Tibt" typeface="Microsoft Himalaya"/>
+        <a:font script="Thaa" typeface="MV Boli"/>
+        <a:font script="Deva" typeface="Mangal"/>
+        <a:font script="Telu" typeface="Gautami"/>
+        <a:font script="Taml" typeface="Latha"/>
+        <a:font script="Syrc" typeface="Estrangelo Edessa"/>
+        <a:font script="Orya" typeface="Kalinga"/>
+        <a:font script="Mlym" typeface="Kartika"/>
+        <a:font script="Laoo" typeface="DokChampa"/>
+        <a:font script="Sinh" typeface="Iskoola Pota"/>
+        <a:font script="Mong" typeface="Mongolian Baiti"/>
+        <a:font script="Viet" typeface="Times New Roman"/>
+        <a:font script="Uigh" typeface="Microsoft Uighur"/>
+        <a:font script="Geor" typeface="Sylfaen"/>
+      </a:majorFont>
+      <a:minorFont>
+        <a:latin typeface="Calibri"/>
+        <a:ea typeface=""/>
+        <a:cs typeface=""/>
+        <a:font script="Jpan" typeface="ＭＳ Ｐゴシック"/>
+        <a:font script="Hang" typeface="맑은 고딕"/>
+        <a:font script="Hans" typeface="宋体"/>
+        <a:font script="Hant" typeface="新細明體"/>
+        <a:font script="Arab" typeface="Arial"/>
+        <a:font script="Hebr" typeface="Arial"/>
+        <a:font script="Thai" typeface="Cordia New"/>
+        <a:font script="Ethi" typeface="Nyala"/>
+        <a:font script="Beng" typeface="Vrinda"/>
+        <a:font script="Gujr" typeface="Shruti"/>
+        <a:font script="Khmr" typeface="DaunPenh"/>
+        <a:font script="Knda" typeface="Tunga"/>
+        <a:font script="Guru" typeface="Raavi"/>
+        <a:font script="Cans" typeface="Euphemia"/>
+        <a:font script="Cher" typeface="Plantagenet Cherokee"/>
+        <a:font script="Yiii" typeface="Microsoft Yi Baiti"/>
+        <a:font script="Tibt" typeface="Microsoft Himalaya"/>
+        <a:font script="Thaa" typeface="MV Boli"/>
+        <a:font script="Deva" typeface="Mangal"/>
+        <a:font script="Telu" typeface="Gautami"/>
+        <a:font script="Taml" typeface="Latha"/>
+        <a:font script="Syrc" typeface="Estrangelo Edessa"/>
+        <a:font script="Orya" typeface="Kalinga"/>
+        <a:font script="Mlym" typeface="Kartika"/>
+        <a:font script="Laoo" typeface="DokChampa"/>
+        <a:font script="Sinh" typeface="Iskoola Pota"/>
+        <a:font script="Mong" typeface="Mongolian Baiti"/>
+        <a:font script="Viet" typeface="Arial"/>
+        <a:font script="Uigh" typeface="Microsoft Uighur"/>
+        <a:font script="Geor" typeface="Sylfaen"/>
+      </a:minorFont>
+    </a:fontScheme>
+    <a:fmtScheme name="Office">
+      <a:fillStyleLst>
+        <a:solidFill>
+          <a:schemeClr val="phClr"/>
+        </a:solidFill>
+        <a:gradFill rotWithShape="1">
+          <a:gsLst>
+            <a:gs pos="0">
+              <a:schemeClr val="phClr">
+                <a:tint val="50000"/>
+                <a:satMod val="300000"/>
+              </a:schemeClr>
+            </a:gs>
+            <a:gs pos="35000">
+              <a:schemeClr val="phClr">
+                <a:tint val="37000"/>
+                <a:satMod val="300000"/>
+              </a:schemeClr>
+            </a:gs>
+            <a:gs pos="100000">
+              <a:schemeClr val="phClr">
+                <a:tint val="15000"/>
+                <a:satMod val="350000"/>
+              </a:schemeClr>
+            </a:gs>
+          </a:gsLst>
+          <a:lin ang="16200000" scaled="1"/>
+        </a:gradFill>
+        <a:gradFill rotWithShape="1">
+          <a:gsLst>
+            <a:gs pos="0">
+              <a:schemeClr val="phClr">
+                <a:shade val="51000"/>
+                <a:satMod val="130000"/>
+              </a:schemeClr>
+            </a:gs>
+            <a:gs pos="80000">
+              <a:schemeClr val="phClr">
+                <a:shade val="93000"/>
+                <a:satMod val="130000"/>
+              </a:schemeClr>
+            </a:gs>
+            <a:gs pos="100000">
+              <a:schemeClr val="phClr">
+                <a:shade val="94000"/>
+                <a:satMod val="135000"/>
+              </a:schemeClr>
+            </a:gs>
+          </a:gsLst>
+          <a:lin ang="16200000" scaled="0"/>
+        </a:gradFill>
+      </a:fillStyleLst>
+      <a:lnStyleLst>
+        <a:ln w="9525" cap="flat" cmpd="sng" algn="ctr">
+          <a:solidFill>
+            <a:schemeClr val="phClr">
+              <a:shade val="95000"/>
+              <a:satMod val="105000"/>
+            </a:schemeClr>
+          </a:solidFill>
+          <a:prstDash val="solid"/>
+        </a:ln>
+        <a:ln w="25400" cap="flat" cmpd="sng" algn="ctr">
+          <a:solidFill>
+            <a:schemeClr val="phClr"/>
+          </a:solidFill>
+          <a:prstDash val="solid"/>
+        </a:ln>
+        <a:ln w="38100" cap="flat" cmpd="sng" algn="ctr">
+          <a:solidFill>
+            <a:schemeClr val="phClr"/>
+          </a:solidFill>
+          <a:prstDash val="solid"/>
+        </a:ln>
+      </a:lnStyleLst>
+      <a:effectStyleLst>
+        <a:effectStyle>
+          <a:effectLst>
+            <a:outerShdw blurRad="40000" dist="20000" dir="5400000" rotWithShape="0">
+              <a:srgbClr val="000000">
+                <a:alpha val="38000"/>
+              </a:srgbClr>
+            </a:outerShdw>
+          </a:effectLst>
+        </a:effectStyle>
+        <a:effectStyle>
+          <a:effectLst>
+            <a:outerShdw blurRad="40000" dist="23000" dir="5400000" rotWithShape="0">
+              <a:srgbClr val="000000">
+                <a:alpha val="35000"/>
+              </a:srgbClr>
+            </a:outerShdw>
+          </a:effectLst>
+        </a:effectStyle>
+        <a:effectStyle>
+          <a:effectLst>
+            <a:outerShdw blurRad="40000" dist="23000" dir="5400000" rotWithShape="0">
+              <a:srgbClr val="000000">
+                <a:alpha val="35000"/>
+              </a:srgbClr>
+            </a:outerShdw>
+          </a:effectLst>
+          <a:scene3d>
+            <a:camera prst="orthographicFront">
+              <a:rot lat="0" lon="0" rev="0"/>
+            </a:camera>
+            <a:lightRig rig="threePt" dir="t">
+              <a:rot lat="0" lon="0" rev="1200000"/>
+            </a:lightRig>
+          </a:scene3d>
+          <a:sp3d>
+            <a:bevelT w="63500" h="25400"/>
+          </a:sp3d>
+        </a:effectStyle>
+      </a:effectStyleLst>
+      <a:bgFillStyleLst>
+        <a:solidFill>
+          <a:schemeClr val="phClr"/>
+        </a:solidFill>
+        <a:gradFill rotWithShape="1">
+          <a:gsLst>
+            <a:gs pos="0">
+              <a:schemeClr val="phClr">
+                <a:tint val="40000"/>
+                <a:satMod val="350000"/>
+              </a:schemeClr>
+            </a:gs>
+            <a:gs pos="40000">
+              <a:schemeClr val="phClr">
+                <a:tint val="45000"/>
+                <a:shade val="99000"/>
+                <a:satMod val="350000"/>
+              </a:schemeClr>
+            </a:gs>
+            <a:gs pos="100000">
+              <a:schemeClr val="phClr">
+                <a:shade val="20000"/>
+                <a:satMod val="255000"/>
+              </a:schemeClr>
+            </a:gs>
+          </a:gsLst>
+          <a:path path="circle">
+            <a:fillToRect l="50000" t="-80000" r="50000" b="180000"/>
+          </a:path>
+        </a:gradFill>
+        <a:gradFill rotWithShape="1">
+          <a:gsLst>
+            <a:gs pos="0">
+              <a:schemeClr val="phClr">
+                <a:tint val="80000"/>
+                <a:satMod val="300000"/>
+              </a:schemeClr>
+            </a:gs>
+            <a:gs pos="100000">
+              <a:schemeClr val="phClr">
+                <a:shade val="30000"/>
+                <a:satMod val="200000"/>
+              </a:schemeClr>
+            </a:gs>
+          </a:gsLst>
+          <a:path path="circle">
+            <a:fillToRect l="50000" t="50000" r="50000" b="50000"/>
+          </a:path>
+        </a:gradFill>
+      </a:bgFillStyleLst>
+    </a:fmtScheme>
+  </a:themeElements>
+  <a:objectDefaults/>
+  <a:extraClrSchemeLst/>
+</a:theme>
 </file>